--- a/shoppingmall.pptx
+++ b/shoppingmall.pptx
@@ -5,10 +5,10 @@
     <p:sldMasterId id="2147483648" r:id="rId1"/>
   </p:sldMasterIdLst>
   <p:notesMasterIdLst>
-    <p:notesMasterId r:id="rId13"/>
+    <p:notesMasterId r:id="rId14"/>
   </p:notesMasterIdLst>
   <p:handoutMasterIdLst>
-    <p:handoutMasterId r:id="rId14"/>
+    <p:handoutMasterId r:id="rId15"/>
   </p:handoutMasterIdLst>
   <p:sldIdLst>
     <p:sldId id="259" r:id="rId2"/>
@@ -21,7 +21,8 @@
     <p:sldId id="290" r:id="rId9"/>
     <p:sldId id="289" r:id="rId10"/>
     <p:sldId id="293" r:id="rId11"/>
-    <p:sldId id="283" r:id="rId12"/>
+    <p:sldId id="295" r:id="rId12"/>
+    <p:sldId id="283" r:id="rId13"/>
   </p:sldIdLst>
   <p:sldSz cx="12192000" cy="6858000"/>
   <p:notesSz cx="6858000" cy="9144000"/>
@@ -233,7 +234,7 @@
                 <a:latin typeface="맑은 고딕" panose="020B0503020000020004" pitchFamily="50" charset="-127"/>
                 <a:ea typeface="맑은 고딕" panose="020B0503020000020004" pitchFamily="50" charset="-127"/>
               </a:rPr>
-              <a:t>2022년 10월 7일</a:t>
+              <a:t>2022년 10월 8일</a:t>
             </a:fld>
             <a:endParaRPr lang="ko-KR" altLang="en-ZA" dirty="0">
               <a:latin typeface="맑은 고딕" panose="020B0503020000020004" pitchFamily="50" charset="-127"/>
@@ -431,7 +432,7 @@
             <a:fld id="{6B5F8D82-6E29-409C-A40E-4C13401FAFB7}" type="datetime4">
               <a:rPr lang="ko-KR" altLang="en-US" smtClean="0"/>
               <a:pPr/>
-              <a:t>2022년 10월 7일</a:t>
+              <a:t>2022년 10월 8일</a:t>
             </a:fld>
             <a:endParaRPr lang="ko-KR" altLang="en-US" dirty="0"/>
           </a:p>
@@ -943,7 +944,7 @@
             <a:fld id="{B8649DAF-093F-4482-AA38-346E9A2DEE94}" type="slidenum">
               <a:rPr lang="en-ZA" altLang="ko-KR" smtClean="0"/>
               <a:pPr/>
-              <a:t>11</a:t>
+              <a:t>12</a:t>
             </a:fld>
             <a:endParaRPr lang="ko-KR" altLang="en-US" dirty="0"/>
           </a:p>
@@ -23582,7 +23583,7 @@
                 <a16:creationId xmlns:a16="http://schemas.microsoft.com/office/drawing/2014/main" id="{E99227BA-E7FE-418C-A9C9-21C49E9DFD38}"/>
               </a:ext>
               <a:ext uri="{C183D7F6-B498-43B3-948B-1728B52AA6E4}">
-                <adec:decorative xmlns:adec="http://schemas.microsoft.com/office/drawing/2017/decorative" xmlns="" val="1"/>
+                <adec:decorative xmlns="" xmlns:adec="http://schemas.microsoft.com/office/drawing/2017/decorative" val="1"/>
               </a:ext>
             </a:extLst>
           </p:cNvPr>
@@ -24271,8 +24272,8 @@
         </p:nvSpPr>
         <p:spPr>
           <a:xfrm>
-            <a:off x="6239774" y="3929782"/>
-            <a:ext cx="1618352" cy="225712"/>
+            <a:off x="6239773" y="3929782"/>
+            <a:ext cx="3085202" cy="183001"/>
           </a:xfrm>
           <a:prstGeom prst="rect">
             <a:avLst/>
@@ -24305,7 +24306,51 @@
                   </a:schemeClr>
                 </a:solidFill>
               </a:rPr>
-              <a:t>패키지 지정</a:t>
+              <a:t>패키지 </a:t>
+            </a:r>
+            <a:r>
+              <a:rPr lang="ko-KR" altLang="en-US" sz="1200" b="1" dirty="0" smtClean="0">
+                <a:solidFill>
+                  <a:schemeClr val="tx1">
+                    <a:lumMod val="75000"/>
+                    <a:lumOff val="25000"/>
+                  </a:schemeClr>
+                </a:solidFill>
+              </a:rPr>
+              <a:t>지정</a:t>
+            </a:r>
+            <a:r>
+              <a:rPr lang="en-US" altLang="ko-KR" sz="1200" b="1" dirty="0" smtClean="0">
+                <a:solidFill>
+                  <a:schemeClr val="tx1">
+                    <a:lumMod val="75000"/>
+                    <a:lumOff val="25000"/>
+                  </a:schemeClr>
+                </a:solidFill>
+              </a:rPr>
+              <a:t>(</a:t>
+            </a:r>
+            <a:r>
+              <a:rPr lang="ko-KR" altLang="en-US" sz="1200" b="1" dirty="0" smtClean="0">
+                <a:solidFill>
+                  <a:schemeClr val="tx1">
+                    <a:lumMod val="75000"/>
+                    <a:lumOff val="25000"/>
+                  </a:schemeClr>
+                </a:solidFill>
+              </a:rPr>
+              <a:t>전체 패키지 스캔</a:t>
+            </a:r>
+            <a:r>
+              <a:rPr lang="en-US" altLang="ko-KR" sz="1200" b="1" dirty="0" smtClean="0">
+                <a:solidFill>
+                  <a:schemeClr val="tx1">
+                    <a:lumMod val="75000"/>
+                    <a:lumOff val="25000"/>
+                  </a:schemeClr>
+                </a:solidFill>
+              </a:rPr>
+              <a:t>)</a:t>
             </a:r>
             <a:endParaRPr lang="en-US" altLang="ko-KR" sz="1200" b="1" dirty="0" smtClean="0">
               <a:solidFill>
@@ -24581,14 +24626,6 @@
               </a:rPr>
               <a:t> 기능 설정</a:t>
             </a:r>
-            <a:endParaRPr lang="ko-KR" altLang="en-US" sz="1400" b="1" dirty="0" smtClean="0">
-              <a:solidFill>
-                <a:schemeClr val="tx1">
-                  <a:lumMod val="75000"/>
-                  <a:lumOff val="25000"/>
-                </a:schemeClr>
-              </a:solidFill>
-            </a:endParaRPr>
           </a:p>
         </p:txBody>
       </p:sp>
@@ -25017,6 +25054,1112 @@
       </p:grpSpPr>
       <p:pic>
         <p:nvPicPr>
+          <p:cNvPr id="5" name="내용 개체 틀 4"/>
+          <p:cNvPicPr>
+            <a:picLocks noGrp="1" noChangeAspect="1"/>
+          </p:cNvPicPr>
+          <p:nvPr>
+            <p:ph idx="1"/>
+          </p:nvPr>
+        </p:nvPicPr>
+        <p:blipFill>
+          <a:blip r:embed="rId2"/>
+          <a:stretch>
+            <a:fillRect/>
+          </a:stretch>
+        </p:blipFill>
+        <p:spPr>
+          <a:xfrm>
+            <a:off x="431999" y="1169620"/>
+            <a:ext cx="8800491" cy="5250845"/>
+          </a:xfrm>
+          <a:prstGeom prst="rect">
+            <a:avLst/>
+          </a:prstGeom>
+        </p:spPr>
+      </p:pic>
+      <p:sp>
+        <p:nvSpPr>
+          <p:cNvPr id="3" name="제목 2"/>
+          <p:cNvSpPr>
+            <a:spLocks noGrp="1"/>
+          </p:cNvSpPr>
+          <p:nvPr>
+            <p:ph type="title"/>
+          </p:nvPr>
+        </p:nvSpPr>
+        <p:spPr/>
+        <p:txBody>
+          <a:bodyPr/>
+          <a:lstStyle/>
+          <a:p>
+            <a:r>
+              <a:rPr lang="ko-KR" altLang="en-US" dirty="0" smtClean="0"/>
+              <a:t>설정</a:t>
+            </a:r>
+            <a:endParaRPr lang="ko-KR" altLang="en-US" dirty="0"/>
+          </a:p>
+        </p:txBody>
+      </p:sp>
+      <p:sp>
+        <p:nvSpPr>
+          <p:cNvPr id="4" name="슬라이드 번호 개체 틀 3"/>
+          <p:cNvSpPr>
+            <a:spLocks noGrp="1"/>
+          </p:cNvSpPr>
+          <p:nvPr>
+            <p:ph type="sldNum" sz="quarter" idx="11"/>
+          </p:nvPr>
+        </p:nvSpPr>
+        <p:spPr/>
+        <p:txBody>
+          <a:bodyPr/>
+          <a:lstStyle/>
+          <a:p>
+            <a:fld id="{19B51A1E-902D-48AF-9020-955120F399B6}" type="slidenum">
+              <a:rPr lang="en-ZA" altLang="ko-KR" smtClean="0"/>
+              <a:pPr/>
+              <a:t>11</a:t>
+            </a:fld>
+            <a:endParaRPr lang="ko-KR" altLang="en-US" dirty="0"/>
+          </a:p>
+        </p:txBody>
+      </p:sp>
+      <p:sp>
+        <p:nvSpPr>
+          <p:cNvPr id="6" name="직사각형 5"/>
+          <p:cNvSpPr/>
+          <p:nvPr/>
+        </p:nvSpPr>
+        <p:spPr>
+          <a:xfrm>
+            <a:off x="6233088" y="504308"/>
+            <a:ext cx="4414838" cy="794652"/>
+          </a:xfrm>
+          <a:prstGeom prst="rect">
+            <a:avLst/>
+          </a:prstGeom>
+          <a:solidFill>
+            <a:srgbClr val="92D050">
+              <a:alpha val="86000"/>
+            </a:srgbClr>
+          </a:solidFill>
+          <a:ln>
+            <a:noFill/>
+          </a:ln>
+        </p:spPr>
+        <p:style>
+          <a:lnRef idx="2">
+            <a:schemeClr val="accent1">
+              <a:shade val="50000"/>
+            </a:schemeClr>
+          </a:lnRef>
+          <a:fillRef idx="1">
+            <a:schemeClr val="accent1"/>
+          </a:fillRef>
+          <a:effectRef idx="0">
+            <a:schemeClr val="accent1"/>
+          </a:effectRef>
+          <a:fontRef idx="minor">
+            <a:schemeClr val="lt1"/>
+          </a:fontRef>
+        </p:style>
+        <p:txBody>
+          <a:bodyPr rtlCol="0" anchor="ctr"/>
+          <a:lstStyle/>
+          <a:p>
+            <a:pPr marL="285750" indent="-285750" algn="ctr">
+              <a:buFont typeface="Wingdings" panose="05000000000000000000" pitchFamily="2" charset="2"/>
+              <a:buChar char="ü"/>
+            </a:pPr>
+            <a:r>
+              <a:rPr lang="en-US" altLang="ko-KR" sz="2400" b="1" dirty="0">
+                <a:solidFill>
+                  <a:schemeClr val="tx1"/>
+                </a:solidFill>
+              </a:rPr>
+              <a:t>mybatis-context.xml</a:t>
+            </a:r>
+            <a:endParaRPr lang="ko-KR" altLang="en-US" sz="2400" b="1" dirty="0">
+              <a:solidFill>
+                <a:schemeClr val="tx1"/>
+              </a:solidFill>
+            </a:endParaRPr>
+          </a:p>
+        </p:txBody>
+      </p:sp>
+      <p:sp>
+        <p:nvSpPr>
+          <p:cNvPr id="7" name="직사각형 6"/>
+          <p:cNvSpPr/>
+          <p:nvPr/>
+        </p:nvSpPr>
+        <p:spPr>
+          <a:xfrm>
+            <a:off x="589935" y="1169621"/>
+            <a:ext cx="5152104" cy="521528"/>
+          </a:xfrm>
+          <a:prstGeom prst="rect">
+            <a:avLst/>
+          </a:prstGeom>
+          <a:solidFill>
+            <a:srgbClr val="00B0F0">
+              <a:alpha val="9000"/>
+            </a:srgbClr>
+          </a:solidFill>
+          <a:ln w="25400">
+            <a:solidFill>
+              <a:srgbClr val="0070C0"/>
+            </a:solidFill>
+          </a:ln>
+        </p:spPr>
+        <p:style>
+          <a:lnRef idx="2">
+            <a:schemeClr val="accent1">
+              <a:shade val="50000"/>
+            </a:schemeClr>
+          </a:lnRef>
+          <a:fillRef idx="1">
+            <a:schemeClr val="accent1"/>
+          </a:fillRef>
+          <a:effectRef idx="0">
+            <a:schemeClr val="accent1"/>
+          </a:effectRef>
+          <a:fontRef idx="minor">
+            <a:schemeClr val="lt1"/>
+          </a:fontRef>
+        </p:style>
+        <p:txBody>
+          <a:bodyPr rtlCol="0" anchor="ctr"/>
+          <a:lstStyle/>
+          <a:p>
+            <a:pPr algn="ctr"/>
+            <a:endParaRPr lang="ko-KR" altLang="en-US"/>
+          </a:p>
+        </p:txBody>
+      </p:sp>
+      <p:cxnSp>
+        <p:nvCxnSpPr>
+          <p:cNvPr id="8" name="직선 화살표 연결선 7"/>
+          <p:cNvCxnSpPr/>
+          <p:nvPr/>
+        </p:nvCxnSpPr>
+        <p:spPr>
+          <a:xfrm>
+            <a:off x="5766013" y="1542244"/>
+            <a:ext cx="552450" cy="844"/>
+          </a:xfrm>
+          <a:prstGeom prst="straightConnector1">
+            <a:avLst/>
+          </a:prstGeom>
+          <a:ln>
+            <a:solidFill>
+              <a:srgbClr val="0070C0"/>
+            </a:solidFill>
+            <a:tailEnd type="triangle"/>
+          </a:ln>
+        </p:spPr>
+        <p:style>
+          <a:lnRef idx="1">
+            <a:schemeClr val="accent1"/>
+          </a:lnRef>
+          <a:fillRef idx="0">
+            <a:schemeClr val="accent1"/>
+          </a:fillRef>
+          <a:effectRef idx="0">
+            <a:schemeClr val="accent1"/>
+          </a:effectRef>
+          <a:fontRef idx="minor">
+            <a:schemeClr val="tx1"/>
+          </a:fontRef>
+        </p:style>
+      </p:cxnSp>
+      <p:sp>
+        <p:nvSpPr>
+          <p:cNvPr id="9" name="TextBox 8"/>
+          <p:cNvSpPr txBox="1"/>
+          <p:nvPr/>
+        </p:nvSpPr>
+        <p:spPr>
+          <a:xfrm>
+            <a:off x="6338413" y="1456519"/>
+            <a:ext cx="1246876" cy="247650"/>
+          </a:xfrm>
+          <a:prstGeom prst="rect">
+            <a:avLst/>
+          </a:prstGeom>
+          <a:noFill/>
+        </p:spPr>
+        <p:txBody>
+          <a:bodyPr wrap="none" lIns="0" tIns="0" rIns="0" bIns="0" rtlCol="0">
+            <a:noAutofit/>
+          </a:bodyPr>
+          <a:lstStyle/>
+          <a:p>
+            <a:r>
+              <a:rPr lang="en-US" altLang="ko-KR" sz="1400" b="1" dirty="0" smtClean="0">
+                <a:solidFill>
+                  <a:schemeClr val="tx1">
+                    <a:lumMod val="75000"/>
+                    <a:lumOff val="25000"/>
+                  </a:schemeClr>
+                </a:solidFill>
+              </a:rPr>
+              <a:t>Properties </a:t>
+            </a:r>
+            <a:r>
+              <a:rPr lang="ko-KR" altLang="en-US" sz="1400" b="1" dirty="0" smtClean="0">
+                <a:solidFill>
+                  <a:schemeClr val="tx1">
+                    <a:lumMod val="75000"/>
+                    <a:lumOff val="25000"/>
+                  </a:schemeClr>
+                </a:solidFill>
+              </a:rPr>
+              <a:t>등록</a:t>
+            </a:r>
+            <a:endParaRPr lang="en-US" altLang="ko-KR" sz="1400" b="1" dirty="0" smtClean="0">
+              <a:solidFill>
+                <a:schemeClr val="tx1">
+                  <a:lumMod val="75000"/>
+                  <a:lumOff val="25000"/>
+                </a:schemeClr>
+              </a:solidFill>
+            </a:endParaRPr>
+          </a:p>
+        </p:txBody>
+      </p:sp>
+      <p:sp>
+        <p:nvSpPr>
+          <p:cNvPr id="10" name="직사각형 9"/>
+          <p:cNvSpPr/>
+          <p:nvPr/>
+        </p:nvSpPr>
+        <p:spPr>
+          <a:xfrm>
+            <a:off x="589935" y="1978049"/>
+            <a:ext cx="6544511" cy="1324662"/>
+          </a:xfrm>
+          <a:prstGeom prst="rect">
+            <a:avLst/>
+          </a:prstGeom>
+          <a:solidFill>
+            <a:srgbClr val="7030A0">
+              <a:alpha val="15000"/>
+            </a:srgbClr>
+          </a:solidFill>
+          <a:ln w="25400">
+            <a:solidFill>
+              <a:srgbClr val="7030A0"/>
+            </a:solidFill>
+          </a:ln>
+        </p:spPr>
+        <p:style>
+          <a:lnRef idx="2">
+            <a:schemeClr val="accent1">
+              <a:shade val="50000"/>
+            </a:schemeClr>
+          </a:lnRef>
+          <a:fillRef idx="1">
+            <a:schemeClr val="accent1"/>
+          </a:fillRef>
+          <a:effectRef idx="0">
+            <a:schemeClr val="accent1"/>
+          </a:effectRef>
+          <a:fontRef idx="minor">
+            <a:schemeClr val="lt1"/>
+          </a:fontRef>
+        </p:style>
+        <p:txBody>
+          <a:bodyPr rtlCol="0" anchor="ctr"/>
+          <a:lstStyle/>
+          <a:p>
+            <a:pPr algn="ctr"/>
+            <a:endParaRPr lang="ko-KR" altLang="en-US"/>
+          </a:p>
+        </p:txBody>
+      </p:sp>
+      <p:cxnSp>
+        <p:nvCxnSpPr>
+          <p:cNvPr id="11" name="직선 화살표 연결선 10"/>
+          <p:cNvCxnSpPr/>
+          <p:nvPr/>
+        </p:nvCxnSpPr>
+        <p:spPr>
+          <a:xfrm>
+            <a:off x="7141152" y="2779164"/>
+            <a:ext cx="552450" cy="844"/>
+          </a:xfrm>
+          <a:prstGeom prst="straightConnector1">
+            <a:avLst/>
+          </a:prstGeom>
+          <a:ln>
+            <a:solidFill>
+              <a:srgbClr val="7030A0"/>
+            </a:solidFill>
+            <a:tailEnd type="triangle"/>
+          </a:ln>
+        </p:spPr>
+        <p:style>
+          <a:lnRef idx="1">
+            <a:schemeClr val="accent1"/>
+          </a:lnRef>
+          <a:fillRef idx="0">
+            <a:schemeClr val="accent1"/>
+          </a:fillRef>
+          <a:effectRef idx="0">
+            <a:schemeClr val="accent1"/>
+          </a:effectRef>
+          <a:fontRef idx="minor">
+            <a:schemeClr val="tx1"/>
+          </a:fontRef>
+        </p:style>
+      </p:cxnSp>
+      <p:sp>
+        <p:nvSpPr>
+          <p:cNvPr id="12" name="TextBox 11"/>
+          <p:cNvSpPr txBox="1"/>
+          <p:nvPr/>
+        </p:nvSpPr>
+        <p:spPr>
+          <a:xfrm>
+            <a:off x="7713552" y="2693439"/>
+            <a:ext cx="2497248" cy="223932"/>
+          </a:xfrm>
+          <a:prstGeom prst="rect">
+            <a:avLst/>
+          </a:prstGeom>
+          <a:noFill/>
+        </p:spPr>
+        <p:txBody>
+          <a:bodyPr wrap="none" lIns="0" tIns="0" rIns="0" bIns="0" rtlCol="0">
+            <a:noAutofit/>
+          </a:bodyPr>
+          <a:lstStyle/>
+          <a:p>
+            <a:r>
+              <a:rPr lang="en-US" altLang="ko-KR" sz="1400" b="1" dirty="0"/>
+              <a:t>DB Connection</a:t>
+            </a:r>
+            <a:r>
+              <a:rPr lang="ko-KR" altLang="en-US" sz="1400" b="1" dirty="0"/>
+              <a:t>을 위한 객체 생성</a:t>
+            </a:r>
+            <a:endParaRPr lang="en-US" altLang="ko-KR" sz="1100" b="1" dirty="0" smtClean="0">
+              <a:solidFill>
+                <a:schemeClr val="tx1">
+                  <a:lumMod val="75000"/>
+                  <a:lumOff val="25000"/>
+                </a:schemeClr>
+              </a:solidFill>
+            </a:endParaRPr>
+          </a:p>
+        </p:txBody>
+      </p:sp>
+      <p:sp>
+        <p:nvSpPr>
+          <p:cNvPr id="13" name="직사각형 12"/>
+          <p:cNvSpPr/>
+          <p:nvPr/>
+        </p:nvSpPr>
+        <p:spPr>
+          <a:xfrm>
+            <a:off x="589935" y="5618521"/>
+            <a:ext cx="6551217" cy="801944"/>
+          </a:xfrm>
+          <a:prstGeom prst="rect">
+            <a:avLst/>
+          </a:prstGeom>
+          <a:solidFill>
+            <a:srgbClr val="92D050">
+              <a:alpha val="15000"/>
+            </a:srgbClr>
+          </a:solidFill>
+          <a:ln w="25400">
+            <a:solidFill>
+              <a:srgbClr val="92D050"/>
+            </a:solidFill>
+          </a:ln>
+        </p:spPr>
+        <p:style>
+          <a:lnRef idx="2">
+            <a:schemeClr val="accent1">
+              <a:shade val="50000"/>
+            </a:schemeClr>
+          </a:lnRef>
+          <a:fillRef idx="1">
+            <a:schemeClr val="accent1"/>
+          </a:fillRef>
+          <a:effectRef idx="0">
+            <a:schemeClr val="accent1"/>
+          </a:effectRef>
+          <a:fontRef idx="minor">
+            <a:schemeClr val="lt1"/>
+          </a:fontRef>
+        </p:style>
+        <p:txBody>
+          <a:bodyPr rtlCol="0" anchor="ctr"/>
+          <a:lstStyle/>
+          <a:p>
+            <a:pPr algn="ctr"/>
+            <a:endParaRPr lang="ko-KR" altLang="en-US"/>
+          </a:p>
+        </p:txBody>
+      </p:sp>
+      <p:cxnSp>
+        <p:nvCxnSpPr>
+          <p:cNvPr id="14" name="직선 화살표 연결선 13"/>
+          <p:cNvCxnSpPr/>
+          <p:nvPr/>
+        </p:nvCxnSpPr>
+        <p:spPr>
+          <a:xfrm>
+            <a:off x="7147445" y="5893031"/>
+            <a:ext cx="552450" cy="844"/>
+          </a:xfrm>
+          <a:prstGeom prst="straightConnector1">
+            <a:avLst/>
+          </a:prstGeom>
+          <a:ln>
+            <a:solidFill>
+              <a:srgbClr val="92D050"/>
+            </a:solidFill>
+            <a:tailEnd type="triangle"/>
+          </a:ln>
+        </p:spPr>
+        <p:style>
+          <a:lnRef idx="1">
+            <a:schemeClr val="accent1"/>
+          </a:lnRef>
+          <a:fillRef idx="0">
+            <a:schemeClr val="accent1"/>
+          </a:fillRef>
+          <a:effectRef idx="0">
+            <a:schemeClr val="accent1"/>
+          </a:effectRef>
+          <a:fontRef idx="minor">
+            <a:schemeClr val="tx1"/>
+          </a:fontRef>
+        </p:style>
+      </p:cxnSp>
+      <p:sp>
+        <p:nvSpPr>
+          <p:cNvPr id="15" name="TextBox 14"/>
+          <p:cNvSpPr txBox="1"/>
+          <p:nvPr/>
+        </p:nvSpPr>
+        <p:spPr>
+          <a:xfrm>
+            <a:off x="7719844" y="5807306"/>
+            <a:ext cx="2928081" cy="245151"/>
+          </a:xfrm>
+          <a:prstGeom prst="rect">
+            <a:avLst/>
+          </a:prstGeom>
+          <a:noFill/>
+        </p:spPr>
+        <p:txBody>
+          <a:bodyPr wrap="none" lIns="0" tIns="0" rIns="0" bIns="0" rtlCol="0">
+            <a:noAutofit/>
+          </a:bodyPr>
+          <a:lstStyle/>
+          <a:p>
+            <a:r>
+              <a:rPr lang="en-US" altLang="ko-KR" sz="1400" b="1" dirty="0" smtClean="0"/>
+              <a:t>DB </a:t>
+            </a:r>
+            <a:r>
+              <a:rPr lang="ko-KR" altLang="en-US" sz="1400" b="1" dirty="0" smtClean="0"/>
+              <a:t>자동화 </a:t>
+            </a:r>
+            <a:r>
+              <a:rPr lang="ko-KR" altLang="en-US" sz="1400" b="1" dirty="0"/>
+              <a:t>객체</a:t>
+            </a:r>
+            <a:endParaRPr lang="en-US" altLang="ko-KR" sz="1100" b="1" dirty="0" smtClean="0">
+              <a:solidFill>
+                <a:schemeClr val="tx1">
+                  <a:lumMod val="75000"/>
+                  <a:lumOff val="25000"/>
+                </a:schemeClr>
+              </a:solidFill>
+            </a:endParaRPr>
+          </a:p>
+        </p:txBody>
+      </p:sp>
+      <p:sp>
+        <p:nvSpPr>
+          <p:cNvPr id="16" name="직사각형 15"/>
+          <p:cNvSpPr/>
+          <p:nvPr/>
+        </p:nvSpPr>
+        <p:spPr>
+          <a:xfrm>
+            <a:off x="589934" y="3385457"/>
+            <a:ext cx="8042437" cy="368478"/>
+          </a:xfrm>
+          <a:prstGeom prst="rect">
+            <a:avLst/>
+          </a:prstGeom>
+          <a:solidFill>
+            <a:schemeClr val="accent6">
+              <a:lumMod val="60000"/>
+              <a:lumOff val="40000"/>
+              <a:alpha val="15000"/>
+            </a:schemeClr>
+          </a:solidFill>
+          <a:ln w="25400">
+            <a:solidFill>
+              <a:schemeClr val="accent5">
+                <a:lumMod val="75000"/>
+              </a:schemeClr>
+            </a:solidFill>
+          </a:ln>
+        </p:spPr>
+        <p:style>
+          <a:lnRef idx="2">
+            <a:schemeClr val="accent1">
+              <a:shade val="50000"/>
+            </a:schemeClr>
+          </a:lnRef>
+          <a:fillRef idx="1">
+            <a:schemeClr val="accent1"/>
+          </a:fillRef>
+          <a:effectRef idx="0">
+            <a:schemeClr val="accent1"/>
+          </a:effectRef>
+          <a:fontRef idx="minor">
+            <a:schemeClr val="lt1"/>
+          </a:fontRef>
+        </p:style>
+        <p:txBody>
+          <a:bodyPr rtlCol="0" anchor="ctr"/>
+          <a:lstStyle/>
+          <a:p>
+            <a:pPr algn="ctr"/>
+            <a:endParaRPr lang="ko-KR" altLang="en-US"/>
+          </a:p>
+        </p:txBody>
+      </p:sp>
+      <p:cxnSp>
+        <p:nvCxnSpPr>
+          <p:cNvPr id="17" name="직선 화살표 연결선 16"/>
+          <p:cNvCxnSpPr/>
+          <p:nvPr/>
+        </p:nvCxnSpPr>
+        <p:spPr>
+          <a:xfrm>
+            <a:off x="8676038" y="3562935"/>
+            <a:ext cx="282905" cy="18465"/>
+          </a:xfrm>
+          <a:prstGeom prst="straightConnector1">
+            <a:avLst/>
+          </a:prstGeom>
+          <a:ln>
+            <a:solidFill>
+              <a:srgbClr val="FFC000"/>
+            </a:solidFill>
+            <a:tailEnd type="triangle"/>
+          </a:ln>
+        </p:spPr>
+        <p:style>
+          <a:lnRef idx="1">
+            <a:schemeClr val="accent1"/>
+          </a:lnRef>
+          <a:fillRef idx="0">
+            <a:schemeClr val="accent1"/>
+          </a:fillRef>
+          <a:effectRef idx="0">
+            <a:schemeClr val="accent1"/>
+          </a:effectRef>
+          <a:fontRef idx="minor">
+            <a:schemeClr val="tx1"/>
+          </a:fontRef>
+        </p:style>
+      </p:cxnSp>
+      <p:sp>
+        <p:nvSpPr>
+          <p:cNvPr id="18" name="TextBox 17"/>
+          <p:cNvSpPr txBox="1"/>
+          <p:nvPr/>
+        </p:nvSpPr>
+        <p:spPr>
+          <a:xfrm>
+            <a:off x="9002610" y="3469434"/>
+            <a:ext cx="2497248" cy="223932"/>
+          </a:xfrm>
+          <a:prstGeom prst="rect">
+            <a:avLst/>
+          </a:prstGeom>
+          <a:noFill/>
+        </p:spPr>
+        <p:txBody>
+          <a:bodyPr wrap="none" lIns="0" tIns="0" rIns="0" bIns="0" rtlCol="0">
+            <a:noAutofit/>
+          </a:bodyPr>
+          <a:lstStyle/>
+          <a:p>
+            <a:r>
+              <a:rPr lang="en-US" altLang="ko-KR" sz="1400" b="1" dirty="0"/>
+              <a:t>DB </a:t>
+            </a:r>
+            <a:r>
+              <a:rPr lang="ko-KR" altLang="en-US" sz="1400" b="1" dirty="0"/>
+              <a:t>프로그램에서 사용할 객체</a:t>
+            </a:r>
+            <a:endParaRPr lang="en-US" altLang="ko-KR" sz="1000" b="1" dirty="0" smtClean="0">
+              <a:solidFill>
+                <a:schemeClr val="tx1">
+                  <a:lumMod val="75000"/>
+                  <a:lumOff val="25000"/>
+                </a:schemeClr>
+              </a:solidFill>
+            </a:endParaRPr>
+          </a:p>
+        </p:txBody>
+      </p:sp>
+      <p:sp>
+        <p:nvSpPr>
+          <p:cNvPr id="20" name="직사각형 19"/>
+          <p:cNvSpPr/>
+          <p:nvPr/>
+        </p:nvSpPr>
+        <p:spPr>
+          <a:xfrm>
+            <a:off x="589934" y="3777646"/>
+            <a:ext cx="8086104" cy="170629"/>
+          </a:xfrm>
+          <a:prstGeom prst="rect">
+            <a:avLst/>
+          </a:prstGeom>
+          <a:solidFill>
+            <a:srgbClr val="FF0000">
+              <a:alpha val="7000"/>
+            </a:srgbClr>
+          </a:solidFill>
+          <a:ln w="25400">
+            <a:solidFill>
+              <a:srgbClr val="FF0000"/>
+            </a:solidFill>
+          </a:ln>
+        </p:spPr>
+        <p:style>
+          <a:lnRef idx="2">
+            <a:schemeClr val="accent1">
+              <a:shade val="50000"/>
+            </a:schemeClr>
+          </a:lnRef>
+          <a:fillRef idx="1">
+            <a:schemeClr val="accent1"/>
+          </a:fillRef>
+          <a:effectRef idx="0">
+            <a:schemeClr val="accent1"/>
+          </a:effectRef>
+          <a:fontRef idx="minor">
+            <a:schemeClr val="lt1"/>
+          </a:fontRef>
+        </p:style>
+        <p:txBody>
+          <a:bodyPr rtlCol="0" anchor="ctr"/>
+          <a:lstStyle/>
+          <a:p>
+            <a:pPr algn="ctr"/>
+            <a:endParaRPr lang="ko-KR" altLang="en-US"/>
+          </a:p>
+        </p:txBody>
+      </p:sp>
+      <p:cxnSp>
+        <p:nvCxnSpPr>
+          <p:cNvPr id="21" name="직선 화살표 연결선 20"/>
+          <p:cNvCxnSpPr/>
+          <p:nvPr/>
+        </p:nvCxnSpPr>
+        <p:spPr>
+          <a:xfrm>
+            <a:off x="8676038" y="3845969"/>
+            <a:ext cx="282905" cy="18465"/>
+          </a:xfrm>
+          <a:prstGeom prst="straightConnector1">
+            <a:avLst/>
+          </a:prstGeom>
+          <a:ln>
+            <a:solidFill>
+              <a:srgbClr val="FF0000"/>
+            </a:solidFill>
+            <a:tailEnd type="triangle"/>
+          </a:ln>
+        </p:spPr>
+        <p:style>
+          <a:lnRef idx="1">
+            <a:schemeClr val="accent1"/>
+          </a:lnRef>
+          <a:fillRef idx="0">
+            <a:schemeClr val="accent1"/>
+          </a:fillRef>
+          <a:effectRef idx="0">
+            <a:schemeClr val="accent1"/>
+          </a:effectRef>
+          <a:fontRef idx="minor">
+            <a:schemeClr val="tx1"/>
+          </a:fontRef>
+        </p:style>
+      </p:cxnSp>
+      <p:sp>
+        <p:nvSpPr>
+          <p:cNvPr id="22" name="TextBox 21"/>
+          <p:cNvSpPr txBox="1"/>
+          <p:nvPr/>
+        </p:nvSpPr>
+        <p:spPr>
+          <a:xfrm>
+            <a:off x="9002610" y="3752468"/>
+            <a:ext cx="2497248" cy="223932"/>
+          </a:xfrm>
+          <a:prstGeom prst="rect">
+            <a:avLst/>
+          </a:prstGeom>
+          <a:noFill/>
+        </p:spPr>
+        <p:txBody>
+          <a:bodyPr wrap="none" lIns="0" tIns="0" rIns="0" bIns="0" rtlCol="0">
+            <a:noAutofit/>
+          </a:bodyPr>
+          <a:lstStyle/>
+          <a:p>
+            <a:r>
+              <a:rPr lang="en-US" altLang="ko-KR" sz="1400" b="1" dirty="0" err="1"/>
+              <a:t>src</a:t>
+            </a:r>
+            <a:r>
+              <a:rPr lang="en-US" altLang="ko-KR" sz="1400" b="1" dirty="0"/>
+              <a:t>/main/resources </a:t>
+            </a:r>
+            <a:r>
+              <a:rPr lang="ko-KR" altLang="en-US" sz="1400" b="1" dirty="0"/>
+              <a:t>위치를 </a:t>
+            </a:r>
+            <a:r>
+              <a:rPr lang="ko-KR" altLang="en-US" sz="1400" b="1" dirty="0" smtClean="0"/>
+              <a:t>찾음</a:t>
+            </a:r>
+            <a:endParaRPr lang="en-US" altLang="ko-KR" sz="800" b="1" dirty="0" smtClean="0">
+              <a:solidFill>
+                <a:schemeClr val="tx1">
+                  <a:lumMod val="75000"/>
+                  <a:lumOff val="25000"/>
+                </a:schemeClr>
+              </a:solidFill>
+            </a:endParaRPr>
+          </a:p>
+        </p:txBody>
+      </p:sp>
+      <p:sp>
+        <p:nvSpPr>
+          <p:cNvPr id="23" name="직사각형 22"/>
+          <p:cNvSpPr/>
+          <p:nvPr/>
+        </p:nvSpPr>
+        <p:spPr>
+          <a:xfrm>
+            <a:off x="742334" y="3930046"/>
+            <a:ext cx="7563466" cy="181094"/>
+          </a:xfrm>
+          <a:prstGeom prst="rect">
+            <a:avLst/>
+          </a:prstGeom>
+          <a:solidFill>
+            <a:srgbClr val="FF0000">
+              <a:alpha val="7000"/>
+            </a:srgbClr>
+          </a:solidFill>
+          <a:ln w="25400">
+            <a:solidFill>
+              <a:srgbClr val="FF0000"/>
+            </a:solidFill>
+          </a:ln>
+        </p:spPr>
+        <p:style>
+          <a:lnRef idx="2">
+            <a:schemeClr val="accent1">
+              <a:shade val="50000"/>
+            </a:schemeClr>
+          </a:lnRef>
+          <a:fillRef idx="1">
+            <a:schemeClr val="accent1"/>
+          </a:fillRef>
+          <a:effectRef idx="0">
+            <a:schemeClr val="accent1"/>
+          </a:effectRef>
+          <a:fontRef idx="minor">
+            <a:schemeClr val="lt1"/>
+          </a:fontRef>
+        </p:style>
+        <p:txBody>
+          <a:bodyPr rtlCol="0" anchor="ctr"/>
+          <a:lstStyle/>
+          <a:p>
+            <a:pPr algn="ctr"/>
+            <a:endParaRPr lang="ko-KR" altLang="en-US"/>
+          </a:p>
+        </p:txBody>
+      </p:sp>
+      <p:cxnSp>
+        <p:nvCxnSpPr>
+          <p:cNvPr id="24" name="직선 화살표 연결선 23"/>
+          <p:cNvCxnSpPr/>
+          <p:nvPr/>
+        </p:nvCxnSpPr>
+        <p:spPr>
+          <a:xfrm>
+            <a:off x="8316808" y="4031027"/>
+            <a:ext cx="282905" cy="18465"/>
+          </a:xfrm>
+          <a:prstGeom prst="straightConnector1">
+            <a:avLst/>
+          </a:prstGeom>
+          <a:ln>
+            <a:solidFill>
+              <a:srgbClr val="FF0000"/>
+            </a:solidFill>
+            <a:tailEnd type="triangle"/>
+          </a:ln>
+        </p:spPr>
+        <p:style>
+          <a:lnRef idx="1">
+            <a:schemeClr val="accent1"/>
+          </a:lnRef>
+          <a:fillRef idx="0">
+            <a:schemeClr val="accent1"/>
+          </a:fillRef>
+          <a:effectRef idx="0">
+            <a:schemeClr val="accent1"/>
+          </a:effectRef>
+          <a:fontRef idx="minor">
+            <a:schemeClr val="tx1"/>
+          </a:fontRef>
+        </p:style>
+      </p:cxnSp>
+      <p:sp>
+        <p:nvSpPr>
+          <p:cNvPr id="25" name="TextBox 24"/>
+          <p:cNvSpPr txBox="1"/>
+          <p:nvPr/>
+        </p:nvSpPr>
+        <p:spPr>
+          <a:xfrm>
+            <a:off x="8632371" y="3946122"/>
+            <a:ext cx="2497248" cy="223932"/>
+          </a:xfrm>
+          <a:prstGeom prst="rect">
+            <a:avLst/>
+          </a:prstGeom>
+          <a:noFill/>
+        </p:spPr>
+        <p:txBody>
+          <a:bodyPr wrap="none" lIns="0" tIns="0" rIns="0" bIns="0" rtlCol="0">
+            <a:noAutofit/>
+          </a:bodyPr>
+          <a:lstStyle/>
+          <a:p>
+            <a:r>
+              <a:rPr lang="en-US" altLang="ko-KR" sz="1400" b="1" dirty="0"/>
+              <a:t>DB</a:t>
+            </a:r>
+            <a:r>
+              <a:rPr lang="ko-KR" altLang="en-US" sz="1400" b="1" dirty="0"/>
+              <a:t>에서 실행할 </a:t>
+            </a:r>
+            <a:r>
+              <a:rPr lang="en-US" altLang="ko-KR" sz="1400" b="1" dirty="0" err="1"/>
+              <a:t>sql</a:t>
+            </a:r>
+            <a:r>
+              <a:rPr lang="en-US" altLang="ko-KR" sz="1400" b="1" dirty="0"/>
+              <a:t> </a:t>
+            </a:r>
+            <a:r>
+              <a:rPr lang="ko-KR" altLang="en-US" sz="1400" b="1" dirty="0"/>
+              <a:t>문장을 태그로 정의</a:t>
+            </a:r>
+            <a:endParaRPr lang="en-US" altLang="ko-KR" sz="600" b="1" dirty="0" smtClean="0">
+              <a:solidFill>
+                <a:schemeClr val="tx1">
+                  <a:lumMod val="75000"/>
+                  <a:lumOff val="25000"/>
+                </a:schemeClr>
+              </a:solidFill>
+            </a:endParaRPr>
+          </a:p>
+        </p:txBody>
+      </p:sp>
+      <p:sp>
+        <p:nvSpPr>
+          <p:cNvPr id="26" name="직사각형 25"/>
+          <p:cNvSpPr/>
+          <p:nvPr/>
+        </p:nvSpPr>
+        <p:spPr>
+          <a:xfrm>
+            <a:off x="589934" y="4718987"/>
+            <a:ext cx="7890037" cy="792762"/>
+          </a:xfrm>
+          <a:prstGeom prst="rect">
+            <a:avLst/>
+          </a:prstGeom>
+          <a:solidFill>
+            <a:srgbClr val="00B050">
+              <a:alpha val="15000"/>
+            </a:srgbClr>
+          </a:solidFill>
+          <a:ln w="25400">
+            <a:solidFill>
+              <a:schemeClr val="accent3">
+                <a:lumMod val="60000"/>
+                <a:lumOff val="40000"/>
+              </a:schemeClr>
+            </a:solidFill>
+          </a:ln>
+        </p:spPr>
+        <p:style>
+          <a:lnRef idx="2">
+            <a:schemeClr val="accent1">
+              <a:shade val="50000"/>
+            </a:schemeClr>
+          </a:lnRef>
+          <a:fillRef idx="1">
+            <a:schemeClr val="accent1"/>
+          </a:fillRef>
+          <a:effectRef idx="0">
+            <a:schemeClr val="accent1"/>
+          </a:effectRef>
+          <a:fontRef idx="minor">
+            <a:schemeClr val="lt1"/>
+          </a:fontRef>
+        </p:style>
+        <p:txBody>
+          <a:bodyPr rtlCol="0" anchor="ctr"/>
+          <a:lstStyle/>
+          <a:p>
+            <a:pPr algn="ctr"/>
+            <a:endParaRPr lang="ko-KR" altLang="en-US"/>
+          </a:p>
+        </p:txBody>
+      </p:sp>
+      <p:cxnSp>
+        <p:nvCxnSpPr>
+          <p:cNvPr id="27" name="직선 화살표 연결선 26"/>
+          <p:cNvCxnSpPr/>
+          <p:nvPr/>
+        </p:nvCxnSpPr>
+        <p:spPr>
+          <a:xfrm>
+            <a:off x="8492531" y="5087488"/>
+            <a:ext cx="363699" cy="45720"/>
+          </a:xfrm>
+          <a:prstGeom prst="straightConnector1">
+            <a:avLst/>
+          </a:prstGeom>
+          <a:ln>
+            <a:solidFill>
+              <a:schemeClr val="accent3">
+                <a:lumMod val="60000"/>
+                <a:lumOff val="40000"/>
+              </a:schemeClr>
+            </a:solidFill>
+            <a:tailEnd type="triangle"/>
+          </a:ln>
+        </p:spPr>
+        <p:style>
+          <a:lnRef idx="1">
+            <a:schemeClr val="accent1"/>
+          </a:lnRef>
+          <a:fillRef idx="0">
+            <a:schemeClr val="accent1"/>
+          </a:fillRef>
+          <a:effectRef idx="0">
+            <a:schemeClr val="accent1"/>
+          </a:effectRef>
+          <a:fontRef idx="minor">
+            <a:schemeClr val="tx1"/>
+          </a:fontRef>
+        </p:style>
+      </p:cxnSp>
+      <p:sp>
+        <p:nvSpPr>
+          <p:cNvPr id="28" name="TextBox 27"/>
+          <p:cNvSpPr txBox="1"/>
+          <p:nvPr/>
+        </p:nvSpPr>
+        <p:spPr>
+          <a:xfrm>
+            <a:off x="9047900" y="5001764"/>
+            <a:ext cx="1600025" cy="197042"/>
+          </a:xfrm>
+          <a:prstGeom prst="rect">
+            <a:avLst/>
+          </a:prstGeom>
+          <a:noFill/>
+        </p:spPr>
+        <p:txBody>
+          <a:bodyPr wrap="none" lIns="0" tIns="0" rIns="0" bIns="0" rtlCol="0">
+            <a:noAutofit/>
+          </a:bodyPr>
+          <a:lstStyle/>
+          <a:p>
+            <a:r>
+              <a:rPr lang="en-US" altLang="ko-KR" sz="1400" b="1" dirty="0" smtClean="0"/>
+              <a:t>Transaction </a:t>
+            </a:r>
+            <a:r>
+              <a:rPr lang="ko-KR" altLang="en-US" sz="1400" b="1" dirty="0" smtClean="0"/>
+              <a:t>설정</a:t>
+            </a:r>
+            <a:endParaRPr lang="en-US" altLang="ko-KR" sz="1400" b="1" dirty="0" smtClean="0"/>
+          </a:p>
+          <a:p>
+            <a:endParaRPr lang="en-US" altLang="ko-KR" sz="1100" b="1" dirty="0" smtClean="0">
+              <a:solidFill>
+                <a:schemeClr val="tx1">
+                  <a:lumMod val="75000"/>
+                  <a:lumOff val="25000"/>
+                </a:schemeClr>
+              </a:solidFill>
+            </a:endParaRPr>
+          </a:p>
+        </p:txBody>
+      </p:sp>
+    </p:spTree>
+    <p:extLst>
+      <p:ext uri="{BB962C8B-B14F-4D97-AF65-F5344CB8AC3E}">
+        <p14:creationId xmlns:p14="http://schemas.microsoft.com/office/powerpoint/2010/main" val="208896347"/>
+      </p:ext>
+    </p:extLst>
+  </p:cSld>
+  <p:clrMapOvr>
+    <a:masterClrMapping/>
+  </p:clrMapOvr>
+</p:sld>
+</file>
+
+<file path=ppt/slides/slide12.xml><?xml version="1.0" encoding="utf-8"?>
+<p:sld xmlns:a="http://schemas.openxmlformats.org/drawingml/2006/main" xmlns:r="http://schemas.openxmlformats.org/officeDocument/2006/relationships" xmlns:p="http://schemas.openxmlformats.org/presentationml/2006/main">
+  <p:cSld>
+    <p:spTree>
+      <p:nvGrpSpPr>
+        <p:cNvPr id="1" name=""/>
+        <p:cNvGrpSpPr/>
+        <p:nvPr/>
+      </p:nvGrpSpPr>
+      <p:grpSpPr>
+        <a:xfrm>
+          <a:off x="0" y="0"/>
+          <a:ext cx="0" cy="0"/>
+          <a:chOff x="0" y="0"/>
+          <a:chExt cx="0" cy="0"/>
+        </a:xfrm>
+      </p:grpSpPr>
+      <p:pic>
+        <p:nvPicPr>
           <p:cNvPr id="8" name="그림 개체 틀 7" descr="환경 나뭇잎">
             <a:extLst>
               <a:ext uri="{FF2B5EF4-FFF2-40B4-BE49-F238E27FC236}">
@@ -25082,7 +26225,7 @@
                 <a16:creationId xmlns:a16="http://schemas.microsoft.com/office/drawing/2014/main" id="{FE07C9EC-5158-440C-995A-EAC50D3E05DA}"/>
               </a:ext>
               <a:ext uri="{C183D7F6-B498-43B3-948B-1728B52AA6E4}">
-                <adec:decorative xmlns:adec="http://schemas.microsoft.com/office/drawing/2017/decorative" xmlns="" val="1"/>
+                <adec:decorative xmlns="" xmlns:adec="http://schemas.microsoft.com/office/drawing/2017/decorative" val="1"/>
               </a:ext>
             </a:extLst>
           </p:cNvPr>
@@ -25195,7 +26338,7 @@
                 <a14:useLocalDpi xmlns:a14="http://schemas.microsoft.com/office/drawing/2010/main"/>
               </a:ext>
               <a:ext uri="{96DAC541-7B7A-43D3-8B79-37D633B846F1}">
-                <asvg:svgBlip xmlns:asvg="http://schemas.microsoft.com/office/drawing/2016/SVG/main" xmlns="" r:embed="rId6"/>
+                <asvg:svgBlip xmlns="" xmlns:asvg="http://schemas.microsoft.com/office/drawing/2016/SVG/main" r:embed="rId6"/>
               </a:ext>
             </a:extLst>
           </a:blip>
@@ -25264,7 +26407,7 @@
                 <a14:useLocalDpi xmlns:a14="http://schemas.microsoft.com/office/drawing/2010/main"/>
               </a:ext>
               <a:ext uri="{96DAC541-7B7A-43D3-8B79-37D633B846F1}">
-                <asvg:svgBlip xmlns:asvg="http://schemas.microsoft.com/office/drawing/2016/SVG/main" xmlns="" r:embed="rId8"/>
+                <asvg:svgBlip xmlns="" xmlns:asvg="http://schemas.microsoft.com/office/drawing/2016/SVG/main" r:embed="rId8"/>
               </a:ext>
             </a:extLst>
           </a:blip>
@@ -25337,7 +26480,7 @@
                 <a14:useLocalDpi xmlns:a14="http://schemas.microsoft.com/office/drawing/2010/main"/>
               </a:ext>
               <a:ext uri="{96DAC541-7B7A-43D3-8B79-37D633B846F1}">
-                <asvg:svgBlip xmlns:asvg="http://schemas.microsoft.com/office/drawing/2016/SVG/main" xmlns="" r:embed="rId10"/>
+                <asvg:svgBlip xmlns="" xmlns:asvg="http://schemas.microsoft.com/office/drawing/2016/SVG/main" r:embed="rId10"/>
               </a:ext>
             </a:extLst>
           </a:blip>
@@ -25411,7 +26554,7 @@
                 <a14:useLocalDpi xmlns:a14="http://schemas.microsoft.com/office/drawing/2010/main" val="0"/>
               </a:ext>
               <a:ext uri="{96DAC541-7B7A-43D3-8B79-37D633B846F1}">
-                <asvg:svgBlip xmlns:asvg="http://schemas.microsoft.com/office/drawing/2016/SVG/main" xmlns="" r:embed="rId13"/>
+                <asvg:svgBlip xmlns="" xmlns:asvg="http://schemas.microsoft.com/office/drawing/2016/SVG/main" r:embed="rId13"/>
               </a:ext>
             </a:extLst>
           </a:blip>
@@ -25516,7 +26659,7 @@
           <a:blip r:embed="rId3">
             <a:extLst>
               <a:ext uri="{96DAC541-7B7A-43D3-8B79-37D633B846F1}">
-                <asvg:svgBlip xmlns:asvg="http://schemas.microsoft.com/office/drawing/2016/SVG/main" xmlns="" r:embed="rId4"/>
+                <asvg:svgBlip xmlns="" xmlns:asvg="http://schemas.microsoft.com/office/drawing/2016/SVG/main" r:embed="rId4"/>
               </a:ext>
             </a:extLst>
           </a:blip>
@@ -25653,7 +26796,7 @@
                 <a16:creationId xmlns:a16="http://schemas.microsoft.com/office/drawing/2014/main" id="{1D5BA55A-3253-4F3B-A32A-5A12ECE65A55}"/>
               </a:ext>
               <a:ext uri="{C183D7F6-B498-43B3-948B-1728B52AA6E4}">
-                <adec:decorative xmlns:adec="http://schemas.microsoft.com/office/drawing/2017/decorative" xmlns="" val="1"/>
+                <adec:decorative xmlns="" xmlns:adec="http://schemas.microsoft.com/office/drawing/2017/decorative" val="1"/>
               </a:ext>
             </a:extLst>
           </p:cNvPr>
@@ -25716,7 +26859,7 @@
                 <a14:useLocalDpi xmlns:a14="http://schemas.microsoft.com/office/drawing/2010/main"/>
               </a:ext>
               <a:ext uri="{96DAC541-7B7A-43D3-8B79-37D633B846F1}">
-                <asvg:svgBlip xmlns:asvg="http://schemas.microsoft.com/office/drawing/2016/SVG/main" xmlns="" r:embed="rId6"/>
+                <asvg:svgBlip xmlns="" xmlns:asvg="http://schemas.microsoft.com/office/drawing/2016/SVG/main" r:embed="rId6"/>
               </a:ext>
             </a:extLst>
           </a:blip>
@@ -25804,7 +26947,7 @@
                 <a16:creationId xmlns:a16="http://schemas.microsoft.com/office/drawing/2014/main" id="{50250EBA-885D-4E6F-B841-92A9B8FBBB6F}"/>
               </a:ext>
               <a:ext uri="{C183D7F6-B498-43B3-948B-1728B52AA6E4}">
-                <adec:decorative xmlns:adec="http://schemas.microsoft.com/office/drawing/2017/decorative" xmlns="" val="1"/>
+                <adec:decorative xmlns="" xmlns:adec="http://schemas.microsoft.com/office/drawing/2017/decorative" val="1"/>
               </a:ext>
             </a:extLst>
           </p:cNvPr>
@@ -25867,7 +27010,7 @@
                 <a14:useLocalDpi xmlns:a14="http://schemas.microsoft.com/office/drawing/2010/main"/>
               </a:ext>
               <a:ext uri="{96DAC541-7B7A-43D3-8B79-37D633B846F1}">
-                <asvg:svgBlip xmlns:asvg="http://schemas.microsoft.com/office/drawing/2016/SVG/main" xmlns="" r:embed="rId8"/>
+                <asvg:svgBlip xmlns="" xmlns:asvg="http://schemas.microsoft.com/office/drawing/2016/SVG/main" r:embed="rId8"/>
               </a:ext>
             </a:extLst>
           </a:blip>
@@ -25949,7 +27092,7 @@
                 <a16:creationId xmlns:a16="http://schemas.microsoft.com/office/drawing/2014/main" id="{29488879-6129-4D02-B173-36635DF61BC0}"/>
               </a:ext>
               <a:ext uri="{C183D7F6-B498-43B3-948B-1728B52AA6E4}">
-                <adec:decorative xmlns:adec="http://schemas.microsoft.com/office/drawing/2017/decorative" xmlns="" val="1"/>
+                <adec:decorative xmlns="" xmlns:adec="http://schemas.microsoft.com/office/drawing/2017/decorative" val="1"/>
               </a:ext>
             </a:extLst>
           </p:cNvPr>
@@ -26012,7 +27155,7 @@
                 <a14:useLocalDpi xmlns:a14="http://schemas.microsoft.com/office/drawing/2010/main"/>
               </a:ext>
               <a:ext uri="{96DAC541-7B7A-43D3-8B79-37D633B846F1}">
-                <asvg:svgBlip xmlns:asvg="http://schemas.microsoft.com/office/drawing/2016/SVG/main" xmlns="" r:embed="rId10"/>
+                <asvg:svgBlip xmlns="" xmlns:asvg="http://schemas.microsoft.com/office/drawing/2016/SVG/main" r:embed="rId10"/>
               </a:ext>
             </a:extLst>
           </a:blip>
@@ -26090,7 +27233,7 @@
                 <a16:creationId xmlns:a16="http://schemas.microsoft.com/office/drawing/2014/main" id="{9926A3E2-2234-409D-9838-30428E6377E4}"/>
               </a:ext>
               <a:ext uri="{C183D7F6-B498-43B3-948B-1728B52AA6E4}">
-                <adec:decorative xmlns:adec="http://schemas.microsoft.com/office/drawing/2017/decorative" xmlns="" val="1"/>
+                <adec:decorative xmlns="" xmlns:adec="http://schemas.microsoft.com/office/drawing/2017/decorative" val="1"/>
               </a:ext>
             </a:extLst>
           </p:cNvPr>
@@ -26153,7 +27296,7 @@
                 <a14:useLocalDpi xmlns:a14="http://schemas.microsoft.com/office/drawing/2010/main"/>
               </a:ext>
               <a:ext uri="{96DAC541-7B7A-43D3-8B79-37D633B846F1}">
-                <asvg:svgBlip xmlns:asvg="http://schemas.microsoft.com/office/drawing/2016/SVG/main" xmlns="" r:embed="rId12"/>
+                <asvg:svgBlip xmlns="" xmlns:asvg="http://schemas.microsoft.com/office/drawing/2016/SVG/main" r:embed="rId12"/>
               </a:ext>
             </a:extLst>
           </a:blip>
@@ -32437,11 +33580,7 @@
                       <a:pPr algn="ctr" latinLnBrk="1"/>
                       <a:r>
                         <a:rPr lang="en-US" altLang="ko-KR" sz="1500" dirty="0" smtClean="0"/>
-                        <a:t>***</a:t>
-                      </a:r>
-                      <a:r>
-                        <a:rPr lang="en-US" altLang="ko-KR" sz="1500" dirty="0" smtClean="0"/>
-                        <a:t>DAO</a:t>
+                        <a:t>***DAO</a:t>
                       </a:r>
                       <a:endParaRPr lang="ko-KR" altLang="en-US" sz="1500" dirty="0"/>
                     </a:p>
@@ -32653,9 +33792,6 @@
               </a:rPr>
               <a:t>클래스를 상속</a:t>
             </a:r>
-            <a:endParaRPr lang="ko-KR" altLang="en-US" sz="1400" b="1" dirty="0" smtClean="0">
-              <a:ea typeface="맑은 고딕" panose="020B0503020000020004" pitchFamily="50" charset="-127"/>
-            </a:endParaRPr>
           </a:p>
         </p:txBody>
       </p:sp>

--- a/shoppingmall.pptx
+++ b/shoppingmall.pptx
@@ -5,10 +5,10 @@
     <p:sldMasterId id="2147483648" r:id="rId1"/>
   </p:sldMasterIdLst>
   <p:notesMasterIdLst>
-    <p:notesMasterId r:id="rId14"/>
+    <p:notesMasterId r:id="rId15"/>
   </p:notesMasterIdLst>
   <p:handoutMasterIdLst>
-    <p:handoutMasterId r:id="rId15"/>
+    <p:handoutMasterId r:id="rId16"/>
   </p:handoutMasterIdLst>
   <p:sldIdLst>
     <p:sldId id="259" r:id="rId2"/>
@@ -22,7 +22,8 @@
     <p:sldId id="289" r:id="rId10"/>
     <p:sldId id="293" r:id="rId11"/>
     <p:sldId id="295" r:id="rId12"/>
-    <p:sldId id="283" r:id="rId13"/>
+    <p:sldId id="296" r:id="rId13"/>
+    <p:sldId id="283" r:id="rId14"/>
   </p:sldIdLst>
   <p:sldSz cx="12192000" cy="6858000"/>
   <p:notesSz cx="6858000" cy="9144000"/>
@@ -944,7 +945,7 @@
             <a:fld id="{B8649DAF-093F-4482-AA38-346E9A2DEE94}" type="slidenum">
               <a:rPr lang="en-ZA" altLang="ko-KR" smtClean="0"/>
               <a:pPr/>
-              <a:t>12</a:t>
+              <a:t>13</a:t>
             </a:fld>
             <a:endParaRPr lang="ko-KR" altLang="en-US" dirty="0"/>
           </a:p>
@@ -23583,7 +23584,7 @@
                 <a16:creationId xmlns:a16="http://schemas.microsoft.com/office/drawing/2014/main" id="{E99227BA-E7FE-418C-A9C9-21C49E9DFD38}"/>
               </a:ext>
               <a:ext uri="{C183D7F6-B498-43B3-948B-1728B52AA6E4}">
-                <adec:decorative xmlns="" xmlns:adec="http://schemas.microsoft.com/office/drawing/2017/decorative" val="1"/>
+                <adec:decorative xmlns:adec="http://schemas.microsoft.com/office/drawing/2017/decorative" xmlns="" val="1"/>
               </a:ext>
             </a:extLst>
           </p:cNvPr>
@@ -24306,10 +24307,10 @@
                   </a:schemeClr>
                 </a:solidFill>
               </a:rPr>
-              <a:t>패키지 </a:t>
-            </a:r>
-            <a:r>
-              <a:rPr lang="ko-KR" altLang="en-US" sz="1200" b="1" dirty="0" smtClean="0">
+              <a:t>패키지 지정</a:t>
+            </a:r>
+            <a:r>
+              <a:rPr lang="en-US" altLang="ko-KR" sz="1200" b="1" dirty="0" smtClean="0">
                 <a:solidFill>
                   <a:schemeClr val="tx1">
                     <a:lumMod val="75000"/>
@@ -24317,10 +24318,10 @@
                   </a:schemeClr>
                 </a:solidFill>
               </a:rPr>
-              <a:t>지정</a:t>
-            </a:r>
-            <a:r>
-              <a:rPr lang="en-US" altLang="ko-KR" sz="1200" b="1" dirty="0" smtClean="0">
+              <a:t>(</a:t>
+            </a:r>
+            <a:r>
+              <a:rPr lang="ko-KR" altLang="en-US" sz="1200" b="1" dirty="0" smtClean="0">
                 <a:solidFill>
                   <a:schemeClr val="tx1">
                     <a:lumMod val="75000"/>
@@ -24328,10 +24329,10 @@
                   </a:schemeClr>
                 </a:solidFill>
               </a:rPr>
-              <a:t>(</a:t>
-            </a:r>
-            <a:r>
-              <a:rPr lang="ko-KR" altLang="en-US" sz="1200" b="1" dirty="0" smtClean="0">
+              <a:t>전체 패키지 스캔</a:t>
+            </a:r>
+            <a:r>
+              <a:rPr lang="en-US" altLang="ko-KR" sz="1200" b="1" dirty="0" smtClean="0">
                 <a:solidFill>
                   <a:schemeClr val="tx1">
                     <a:lumMod val="75000"/>
@@ -24339,27 +24340,8 @@
                   </a:schemeClr>
                 </a:solidFill>
               </a:rPr>
-              <a:t>전체 패키지 스캔</a:t>
-            </a:r>
-            <a:r>
-              <a:rPr lang="en-US" altLang="ko-KR" sz="1200" b="1" dirty="0" smtClean="0">
-                <a:solidFill>
-                  <a:schemeClr val="tx1">
-                    <a:lumMod val="75000"/>
-                    <a:lumOff val="25000"/>
-                  </a:schemeClr>
-                </a:solidFill>
-              </a:rPr>
               <a:t>)</a:t>
             </a:r>
-            <a:endParaRPr lang="en-US" altLang="ko-KR" sz="1200" b="1" dirty="0" smtClean="0">
-              <a:solidFill>
-                <a:schemeClr val="tx1">
-                  <a:lumMod val="75000"/>
-                  <a:lumOff val="25000"/>
-                </a:schemeClr>
-              </a:solidFill>
-            </a:endParaRPr>
           </a:p>
         </p:txBody>
       </p:sp>
@@ -26158,6 +26140,98 @@
           <a:chExt cx="0" cy="0"/>
         </a:xfrm>
       </p:grpSpPr>
+      <p:sp>
+        <p:nvSpPr>
+          <p:cNvPr id="2" name="내용 개체 틀 1"/>
+          <p:cNvSpPr>
+            <a:spLocks noGrp="1"/>
+          </p:cNvSpPr>
+          <p:nvPr>
+            <p:ph idx="1"/>
+          </p:nvPr>
+        </p:nvSpPr>
+        <p:spPr/>
+        <p:txBody>
+          <a:bodyPr/>
+          <a:lstStyle/>
+          <a:p>
+            <a:endParaRPr lang="ko-KR" altLang="en-US"/>
+          </a:p>
+        </p:txBody>
+      </p:sp>
+      <p:sp>
+        <p:nvSpPr>
+          <p:cNvPr id="3" name="제목 2"/>
+          <p:cNvSpPr>
+            <a:spLocks noGrp="1"/>
+          </p:cNvSpPr>
+          <p:nvPr>
+            <p:ph type="title"/>
+          </p:nvPr>
+        </p:nvSpPr>
+        <p:spPr/>
+        <p:txBody>
+          <a:bodyPr/>
+          <a:lstStyle/>
+          <a:p>
+            <a:endParaRPr lang="ko-KR" altLang="en-US"/>
+          </a:p>
+        </p:txBody>
+      </p:sp>
+      <p:sp>
+        <p:nvSpPr>
+          <p:cNvPr id="4" name="슬라이드 번호 개체 틀 3"/>
+          <p:cNvSpPr>
+            <a:spLocks noGrp="1"/>
+          </p:cNvSpPr>
+          <p:nvPr>
+            <p:ph type="sldNum" sz="quarter" idx="11"/>
+          </p:nvPr>
+        </p:nvSpPr>
+        <p:spPr/>
+        <p:txBody>
+          <a:bodyPr/>
+          <a:lstStyle/>
+          <a:p>
+            <a:fld id="{19B51A1E-902D-48AF-9020-955120F399B6}" type="slidenum">
+              <a:rPr lang="en-ZA" altLang="ko-KR" smtClean="0"/>
+              <a:pPr/>
+              <a:t>12</a:t>
+            </a:fld>
+            <a:endParaRPr lang="ko-KR" altLang="en-US" dirty="0"/>
+          </a:p>
+        </p:txBody>
+      </p:sp>
+    </p:spTree>
+    <p:extLst>
+      <p:ext uri="{BB962C8B-B14F-4D97-AF65-F5344CB8AC3E}">
+        <p14:creationId xmlns:p14="http://schemas.microsoft.com/office/powerpoint/2010/main" val="2136050898"/>
+      </p:ext>
+    </p:extLst>
+  </p:cSld>
+  <p:clrMapOvr>
+    <a:masterClrMapping/>
+  </p:clrMapOvr>
+</p:sld>
+</file>
+
+<file path=ppt/slides/slide13.xml><?xml version="1.0" encoding="utf-8"?>
+<p:sld xmlns:a="http://schemas.openxmlformats.org/drawingml/2006/main" xmlns:r="http://schemas.openxmlformats.org/officeDocument/2006/relationships" xmlns:p="http://schemas.openxmlformats.org/presentationml/2006/main">
+  <p:cSld>
+    <p:spTree>
+      <p:nvGrpSpPr>
+        <p:cNvPr id="1" name=""/>
+        <p:cNvGrpSpPr/>
+        <p:nvPr/>
+      </p:nvGrpSpPr>
+      <p:grpSpPr>
+        <a:xfrm>
+          <a:off x="0" y="0"/>
+          <a:ext cx="0" cy="0"/>
+          <a:chOff x="0" y="0"/>
+          <a:chExt cx="0" cy="0"/>
+        </a:xfrm>
+      </p:grpSpPr>
       <p:pic>
         <p:nvPicPr>
           <p:cNvPr id="8" name="그림 개체 틀 7" descr="환경 나뭇잎">
@@ -26225,7 +26299,7 @@
                 <a16:creationId xmlns:a16="http://schemas.microsoft.com/office/drawing/2014/main" id="{FE07C9EC-5158-440C-995A-EAC50D3E05DA}"/>
               </a:ext>
               <a:ext uri="{C183D7F6-B498-43B3-948B-1728B52AA6E4}">
-                <adec:decorative xmlns="" xmlns:adec="http://schemas.microsoft.com/office/drawing/2017/decorative" val="1"/>
+                <adec:decorative xmlns:adec="http://schemas.microsoft.com/office/drawing/2017/decorative" xmlns="" val="1"/>
               </a:ext>
             </a:extLst>
           </p:cNvPr>
@@ -26338,7 +26412,7 @@
                 <a14:useLocalDpi xmlns:a14="http://schemas.microsoft.com/office/drawing/2010/main"/>
               </a:ext>
               <a:ext uri="{96DAC541-7B7A-43D3-8B79-37D633B846F1}">
-                <asvg:svgBlip xmlns="" xmlns:asvg="http://schemas.microsoft.com/office/drawing/2016/SVG/main" r:embed="rId6"/>
+                <asvg:svgBlip xmlns:asvg="http://schemas.microsoft.com/office/drawing/2016/SVG/main" xmlns="" r:embed="rId6"/>
               </a:ext>
             </a:extLst>
           </a:blip>
@@ -26407,7 +26481,7 @@
                 <a14:useLocalDpi xmlns:a14="http://schemas.microsoft.com/office/drawing/2010/main"/>
               </a:ext>
               <a:ext uri="{96DAC541-7B7A-43D3-8B79-37D633B846F1}">
-                <asvg:svgBlip xmlns="" xmlns:asvg="http://schemas.microsoft.com/office/drawing/2016/SVG/main" r:embed="rId8"/>
+                <asvg:svgBlip xmlns:asvg="http://schemas.microsoft.com/office/drawing/2016/SVG/main" xmlns="" r:embed="rId8"/>
               </a:ext>
             </a:extLst>
           </a:blip>
@@ -26480,7 +26554,7 @@
                 <a14:useLocalDpi xmlns:a14="http://schemas.microsoft.com/office/drawing/2010/main"/>
               </a:ext>
               <a:ext uri="{96DAC541-7B7A-43D3-8B79-37D633B846F1}">
-                <asvg:svgBlip xmlns="" xmlns:asvg="http://schemas.microsoft.com/office/drawing/2016/SVG/main" r:embed="rId10"/>
+                <asvg:svgBlip xmlns:asvg="http://schemas.microsoft.com/office/drawing/2016/SVG/main" xmlns="" r:embed="rId10"/>
               </a:ext>
             </a:extLst>
           </a:blip>
@@ -26554,7 +26628,7 @@
                 <a14:useLocalDpi xmlns:a14="http://schemas.microsoft.com/office/drawing/2010/main" val="0"/>
               </a:ext>
               <a:ext uri="{96DAC541-7B7A-43D3-8B79-37D633B846F1}">
-                <asvg:svgBlip xmlns="" xmlns:asvg="http://schemas.microsoft.com/office/drawing/2016/SVG/main" r:embed="rId13"/>
+                <asvg:svgBlip xmlns:asvg="http://schemas.microsoft.com/office/drawing/2016/SVG/main" xmlns="" r:embed="rId13"/>
               </a:ext>
             </a:extLst>
           </a:blip>
@@ -26659,7 +26733,7 @@
           <a:blip r:embed="rId3">
             <a:extLst>
               <a:ext uri="{96DAC541-7B7A-43D3-8B79-37D633B846F1}">
-                <asvg:svgBlip xmlns="" xmlns:asvg="http://schemas.microsoft.com/office/drawing/2016/SVG/main" r:embed="rId4"/>
+                <asvg:svgBlip xmlns:asvg="http://schemas.microsoft.com/office/drawing/2016/SVG/main" xmlns="" r:embed="rId4"/>
               </a:ext>
             </a:extLst>
           </a:blip>
@@ -26796,7 +26870,7 @@
                 <a16:creationId xmlns:a16="http://schemas.microsoft.com/office/drawing/2014/main" id="{1D5BA55A-3253-4F3B-A32A-5A12ECE65A55}"/>
               </a:ext>
               <a:ext uri="{C183D7F6-B498-43B3-948B-1728B52AA6E4}">
-                <adec:decorative xmlns="" xmlns:adec="http://schemas.microsoft.com/office/drawing/2017/decorative" val="1"/>
+                <adec:decorative xmlns:adec="http://schemas.microsoft.com/office/drawing/2017/decorative" xmlns="" val="1"/>
               </a:ext>
             </a:extLst>
           </p:cNvPr>
@@ -26859,7 +26933,7 @@
                 <a14:useLocalDpi xmlns:a14="http://schemas.microsoft.com/office/drawing/2010/main"/>
               </a:ext>
               <a:ext uri="{96DAC541-7B7A-43D3-8B79-37D633B846F1}">
-                <asvg:svgBlip xmlns="" xmlns:asvg="http://schemas.microsoft.com/office/drawing/2016/SVG/main" r:embed="rId6"/>
+                <asvg:svgBlip xmlns:asvg="http://schemas.microsoft.com/office/drawing/2016/SVG/main" xmlns="" r:embed="rId6"/>
               </a:ext>
             </a:extLst>
           </a:blip>
@@ -26947,7 +27021,7 @@
                 <a16:creationId xmlns:a16="http://schemas.microsoft.com/office/drawing/2014/main" id="{50250EBA-885D-4E6F-B841-92A9B8FBBB6F}"/>
               </a:ext>
               <a:ext uri="{C183D7F6-B498-43B3-948B-1728B52AA6E4}">
-                <adec:decorative xmlns="" xmlns:adec="http://schemas.microsoft.com/office/drawing/2017/decorative" val="1"/>
+                <adec:decorative xmlns:adec="http://schemas.microsoft.com/office/drawing/2017/decorative" xmlns="" val="1"/>
               </a:ext>
             </a:extLst>
           </p:cNvPr>
@@ -27010,7 +27084,7 @@
                 <a14:useLocalDpi xmlns:a14="http://schemas.microsoft.com/office/drawing/2010/main"/>
               </a:ext>
               <a:ext uri="{96DAC541-7B7A-43D3-8B79-37D633B846F1}">
-                <asvg:svgBlip xmlns="" xmlns:asvg="http://schemas.microsoft.com/office/drawing/2016/SVG/main" r:embed="rId8"/>
+                <asvg:svgBlip xmlns:asvg="http://schemas.microsoft.com/office/drawing/2016/SVG/main" xmlns="" r:embed="rId8"/>
               </a:ext>
             </a:extLst>
           </a:blip>
@@ -27092,7 +27166,7 @@
                 <a16:creationId xmlns:a16="http://schemas.microsoft.com/office/drawing/2014/main" id="{29488879-6129-4D02-B173-36635DF61BC0}"/>
               </a:ext>
               <a:ext uri="{C183D7F6-B498-43B3-948B-1728B52AA6E4}">
-                <adec:decorative xmlns="" xmlns:adec="http://schemas.microsoft.com/office/drawing/2017/decorative" val="1"/>
+                <adec:decorative xmlns:adec="http://schemas.microsoft.com/office/drawing/2017/decorative" xmlns="" val="1"/>
               </a:ext>
             </a:extLst>
           </p:cNvPr>
@@ -27155,7 +27229,7 @@
                 <a14:useLocalDpi xmlns:a14="http://schemas.microsoft.com/office/drawing/2010/main"/>
               </a:ext>
               <a:ext uri="{96DAC541-7B7A-43D3-8B79-37D633B846F1}">
-                <asvg:svgBlip xmlns="" xmlns:asvg="http://schemas.microsoft.com/office/drawing/2016/SVG/main" r:embed="rId10"/>
+                <asvg:svgBlip xmlns:asvg="http://schemas.microsoft.com/office/drawing/2016/SVG/main" xmlns="" r:embed="rId10"/>
               </a:ext>
             </a:extLst>
           </a:blip>
@@ -27233,7 +27307,7 @@
                 <a16:creationId xmlns:a16="http://schemas.microsoft.com/office/drawing/2014/main" id="{9926A3E2-2234-409D-9838-30428E6377E4}"/>
               </a:ext>
               <a:ext uri="{C183D7F6-B498-43B3-948B-1728B52AA6E4}">
-                <adec:decorative xmlns="" xmlns:adec="http://schemas.microsoft.com/office/drawing/2017/decorative" val="1"/>
+                <adec:decorative xmlns:adec="http://schemas.microsoft.com/office/drawing/2017/decorative" xmlns="" val="1"/>
               </a:ext>
             </a:extLst>
           </p:cNvPr>
@@ -27296,7 +27370,7 @@
                 <a14:useLocalDpi xmlns:a14="http://schemas.microsoft.com/office/drawing/2010/main"/>
               </a:ext>
               <a:ext uri="{96DAC541-7B7A-43D3-8B79-37D633B846F1}">
-                <asvg:svgBlip xmlns="" xmlns:asvg="http://schemas.microsoft.com/office/drawing/2016/SVG/main" r:embed="rId12"/>
+                <asvg:svgBlip xmlns:asvg="http://schemas.microsoft.com/office/drawing/2016/SVG/main" xmlns="" r:embed="rId12"/>
               </a:ext>
             </a:extLst>
           </a:blip>
@@ -34065,7 +34139,7 @@
               <a:alpha val="0"/>
             </a:schemeClr>
           </a:solidFill>
-          <a:ln w="38100">
+          <a:ln w="25400">
             <a:solidFill>
               <a:srgbClr val="FF0000"/>
             </a:solidFill>
@@ -34116,7 +34190,7 @@
               <a:alpha val="0"/>
             </a:schemeClr>
           </a:solidFill>
-          <a:ln w="38100">
+          <a:ln w="25400">
             <a:solidFill>
               <a:srgbClr val="FF0000"/>
             </a:solidFill>
@@ -34167,7 +34241,7 @@
               <a:alpha val="0"/>
             </a:schemeClr>
           </a:solidFill>
-          <a:ln w="38100">
+          <a:ln w="25400">
             <a:solidFill>
               <a:srgbClr val="FF0000"/>
             </a:solidFill>
@@ -34218,7 +34292,7 @@
               <a:alpha val="0"/>
             </a:schemeClr>
           </a:solidFill>
-          <a:ln w="38100">
+          <a:ln w="25400">
             <a:solidFill>
               <a:srgbClr val="0070C0"/>
             </a:solidFill>
@@ -34269,7 +34343,7 @@
               <a:alpha val="0"/>
             </a:schemeClr>
           </a:solidFill>
-          <a:ln w="38100">
+          <a:ln w="25400">
             <a:solidFill>
               <a:srgbClr val="0070C0"/>
             </a:solidFill>
@@ -34528,7 +34602,7 @@
               <a:alpha val="0"/>
             </a:schemeClr>
           </a:solidFill>
-          <a:ln w="38100">
+          <a:ln w="25400">
             <a:solidFill>
               <a:srgbClr val="FF0000"/>
             </a:solidFill>
@@ -34579,7 +34653,7 @@
               <a:alpha val="0"/>
             </a:schemeClr>
           </a:solidFill>
-          <a:ln w="38100">
+          <a:ln w="25400">
             <a:solidFill>
               <a:srgbClr val="FF0000"/>
             </a:solidFill>
@@ -34630,7 +34704,7 @@
               <a:alpha val="0"/>
             </a:schemeClr>
           </a:solidFill>
-          <a:ln w="38100">
+          <a:ln w="25400">
             <a:solidFill>
               <a:srgbClr val="FF0000"/>
             </a:solidFill>
@@ -34681,7 +34755,7 @@
               <a:alpha val="0"/>
             </a:schemeClr>
           </a:solidFill>
-          <a:ln w="38100">
+          <a:ln w="25400">
             <a:solidFill>
               <a:srgbClr val="FF0000"/>
             </a:solidFill>

--- a/shoppingmall.pptx
+++ b/shoppingmall.pptx
@@ -26155,7 +26155,7 @@
           <a:bodyPr/>
           <a:lstStyle/>
           <a:p>
-            <a:endParaRPr lang="ko-KR" altLang="en-US"/>
+            <a:endParaRPr lang="ko-KR" altLang="en-US" dirty="0"/>
           </a:p>
         </p:txBody>
       </p:sp>
@@ -26174,7 +26174,15 @@
           <a:bodyPr/>
           <a:lstStyle/>
           <a:p>
-            <a:endParaRPr lang="ko-KR" altLang="en-US"/>
+            <a:r>
+              <a:rPr lang="ko-KR" altLang="en-US" dirty="0" err="1" smtClean="0"/>
+              <a:t>메인페이지</a:t>
+            </a:r>
+            <a:r>
+              <a:rPr lang="ko-KR" altLang="en-US" dirty="0" smtClean="0"/>
+              <a:t> 구현</a:t>
+            </a:r>
+            <a:endParaRPr lang="ko-KR" altLang="en-US" dirty="0"/>
           </a:p>
         </p:txBody>
       </p:sp>
@@ -26667,7 +26675,7 @@
 </file>
 
 <file path=ppt/slides/slide2.xml><?xml version="1.0" encoding="utf-8"?>
-<p:sld xmlns:a="http://schemas.openxmlformats.org/drawingml/2006/main" xmlns:r="http://schemas.openxmlformats.org/officeDocument/2006/relationships" xmlns:p="http://schemas.openxmlformats.org/presentationml/2006/main">
+<p:sld xmlns:a="http://schemas.openxmlformats.org/drawingml/2006/main" xmlns:r="http://schemas.openxmlformats.org/officeDocument/2006/relationships" xmlns:p="http://schemas.openxmlformats.org/presentationml/2006/main" showMasterSp="0">
   <p:cSld>
     <p:spTree>
       <p:nvGrpSpPr>
@@ -26699,17 +26707,22 @@
             <p:ph type="title"/>
           </p:nvPr>
         </p:nvSpPr>
-        <p:spPr/>
+        <p:spPr>
+          <a:xfrm>
+            <a:off x="432094" y="889647"/>
+            <a:ext cx="11340000" cy="432000"/>
+          </a:xfrm>
+        </p:spPr>
         <p:txBody>
           <a:bodyPr rtlCol="0"/>
           <a:lstStyle/>
           <a:p>
-            <a:pPr rtl="0"/>
-            <a:r>
-              <a:rPr lang="ko-KR" altLang="en-US" dirty="0" smtClean="0"/>
+            <a:pPr algn="ctr" rtl="0"/>
+            <a:r>
+              <a:rPr lang="ko-KR" altLang="en-US" sz="3600" dirty="0" smtClean="0"/>
               <a:t>목차</a:t>
             </a:r>
-            <a:endParaRPr lang="ko-KR" altLang="en-ZA" dirty="0"/>
+            <a:endParaRPr lang="ko-KR" altLang="en-ZA" sz="3600" dirty="0"/>
           </a:p>
         </p:txBody>
       </p:sp>
@@ -26742,7 +26755,12 @@
             <a:fillRect/>
           </a:stretch>
         </p:blipFill>
-        <p:spPr/>
+        <p:spPr>
+          <a:xfrm>
+            <a:off x="2249830" y="2373427"/>
+            <a:ext cx="854075" cy="854075"/>
+          </a:xfrm>
+        </p:spPr>
       </p:pic>
       <p:sp>
         <p:nvSpPr>
@@ -26762,7 +26780,7 @@
         </p:nvSpPr>
         <p:spPr>
           <a:xfrm>
-            <a:off x="432094" y="3926335"/>
+            <a:off x="1585982" y="3763047"/>
             <a:ext cx="2160000" cy="540000"/>
           </a:xfrm>
         </p:spPr>
@@ -26801,7 +26819,7 @@
         </p:nvSpPr>
         <p:spPr>
           <a:xfrm>
-            <a:off x="432094" y="4683350"/>
+            <a:off x="1596868" y="4237035"/>
             <a:ext cx="2160000" cy="1903840"/>
           </a:xfrm>
         </p:spPr>
@@ -26814,11 +26832,11 @@
               <a:buChar char="u"/>
             </a:pPr>
             <a:r>
-              <a:rPr lang="en-US" altLang="ko-KR" dirty="0"/>
+              <a:rPr lang="en-US" altLang="ko-KR" sz="1400" dirty="0"/>
               <a:t>Spring MVC </a:t>
             </a:r>
             <a:r>
-              <a:rPr lang="en-US" altLang="ko-KR" dirty="0" smtClean="0"/>
+              <a:rPr lang="en-US" altLang="ko-KR" sz="1400" dirty="0" smtClean="0"/>
               <a:t>Architecture</a:t>
             </a:r>
           </a:p>
@@ -26828,7 +26846,7 @@
               <a:buChar char="u"/>
             </a:pPr>
             <a:r>
-              <a:rPr lang="en-US" altLang="ko-KR" dirty="0" smtClean="0"/>
+              <a:rPr lang="en-US" altLang="ko-KR" sz="1400" dirty="0" smtClean="0"/>
               <a:t>ERD</a:t>
             </a:r>
           </a:p>
@@ -26838,11 +26856,11 @@
               <a:buChar char="u"/>
             </a:pPr>
             <a:r>
-              <a:rPr lang="en-US" altLang="ko-KR" dirty="0"/>
+              <a:rPr lang="en-US" altLang="ko-KR" sz="1400" dirty="0"/>
               <a:t>Web Application </a:t>
             </a:r>
             <a:r>
-              <a:rPr lang="en-US" altLang="ko-KR" dirty="0" smtClean="0"/>
+              <a:rPr lang="en-US" altLang="ko-KR" sz="1400" dirty="0" smtClean="0"/>
               <a:t>Structure</a:t>
             </a:r>
           </a:p>
@@ -26851,14 +26869,14 @@
               <a:buFont typeface="Wingdings" panose="05000000000000000000" pitchFamily="2" charset="2"/>
               <a:buChar char="u"/>
             </a:pPr>
-            <a:endParaRPr lang="en-US" altLang="ko-KR" dirty="0" smtClean="0"/>
+            <a:endParaRPr lang="en-US" altLang="ko-KR" sz="1400" dirty="0" smtClean="0"/>
           </a:p>
           <a:p>
             <a:pPr marL="285750" indent="-285750" algn="l">
               <a:buFont typeface="Wingdings" panose="05000000000000000000" pitchFamily="2" charset="2"/>
               <a:buChar char="u"/>
             </a:pPr>
-            <a:endParaRPr lang="ko-KR" altLang="ru-RU" dirty="0"/>
+            <a:endParaRPr lang="ko-KR" altLang="ru-RU" sz="1400" dirty="0"/>
           </a:p>
         </p:txBody>
       </p:sp>
@@ -26881,7 +26899,7 @@
         </p:nvCxnSpPr>
         <p:spPr>
           <a:xfrm>
-            <a:off x="2659047" y="2052013"/>
+            <a:off x="3823821" y="1888725"/>
             <a:ext cx="0" cy="1487495"/>
           </a:xfrm>
           <a:prstGeom prst="line">
@@ -26940,7 +26958,12 @@
           <a:srcRect/>
           <a:stretch/>
         </p:blipFill>
-        <p:spPr/>
+        <p:spPr>
+          <a:xfrm>
+            <a:off x="4544105" y="2373427"/>
+            <a:ext cx="854075" cy="854075"/>
+          </a:xfrm>
+        </p:spPr>
       </p:pic>
       <p:sp>
         <p:nvSpPr>
@@ -26960,7 +26983,7 @@
         </p:nvSpPr>
         <p:spPr>
           <a:xfrm>
-            <a:off x="2726076" y="3926335"/>
+            <a:off x="3879964" y="3763047"/>
             <a:ext cx="2160587" cy="540000"/>
           </a:xfrm>
         </p:spPr>
@@ -26997,7 +27020,12 @@
             <p:ph type="body" sz="quarter" idx="12"/>
           </p:nvPr>
         </p:nvSpPr>
-        <p:spPr/>
+        <p:spPr>
+          <a:xfrm>
+            <a:off x="3890849" y="4241797"/>
+            <a:ext cx="2160588" cy="900000"/>
+          </a:xfrm>
+        </p:spPr>
         <p:txBody>
           <a:bodyPr rtlCol="0"/>
           <a:lstStyle/>
@@ -27007,7 +27035,7 @@
               <a:buChar char="u"/>
             </a:pPr>
             <a:r>
-              <a:rPr lang="en-US" altLang="ko-KR" dirty="0" smtClean="0"/>
+              <a:rPr lang="en-US" altLang="ko-KR" sz="1400" dirty="0" smtClean="0"/>
               <a:t>servlet-context.xml</a:t>
             </a:r>
           </a:p>
@@ -27032,7 +27060,7 @@
         </p:nvCxnSpPr>
         <p:spPr>
           <a:xfrm>
-            <a:off x="4953541" y="2052013"/>
+            <a:off x="6118315" y="1888725"/>
             <a:ext cx="0" cy="1487495"/>
           </a:xfrm>
           <a:prstGeom prst="line">
@@ -27061,38 +27089,6 @@
           </a:fontRef>
         </p:style>
       </p:cxnSp>
-      <p:pic>
-        <p:nvPicPr>
-          <p:cNvPr id="161" name="그림 개체 틀 160" descr="온도계">
-            <a:extLst>
-              <a:ext uri="{FF2B5EF4-FFF2-40B4-BE49-F238E27FC236}">
-                <a16:creationId xmlns:a16="http://schemas.microsoft.com/office/drawing/2014/main" id="{22C4A1E7-2C42-4D5E-9D5C-DB503F231A34}"/>
-              </a:ext>
-            </a:extLst>
-          </p:cNvPr>
-          <p:cNvPicPr>
-            <a:picLocks noGrp="1" noChangeAspect="1"/>
-          </p:cNvPicPr>
-          <p:nvPr>
-            <p:ph type="pic" sz="quarter" idx="29"/>
-          </p:nvPr>
-        </p:nvPicPr>
-        <p:blipFill rotWithShape="1">
-          <a:blip r:embed="rId7" cstate="screen">
-            <a:extLst>
-              <a:ext uri="{28A0092B-C50C-407E-A947-70E740481C1C}">
-                <a14:useLocalDpi xmlns:a14="http://schemas.microsoft.com/office/drawing/2010/main"/>
-              </a:ext>
-              <a:ext uri="{96DAC541-7B7A-43D3-8B79-37D633B846F1}">
-                <asvg:svgBlip xmlns:asvg="http://schemas.microsoft.com/office/drawing/2016/SVG/main" xmlns="" r:embed="rId8"/>
-              </a:ext>
-            </a:extLst>
-          </a:blip>
-          <a:srcRect/>
-          <a:stretch/>
-        </p:blipFill>
-        <p:spPr/>
-      </p:pic>
       <p:sp>
         <p:nvSpPr>
           <p:cNvPr id="10" name="텍스트 개체 틀 9">
@@ -27111,7 +27107,7 @@
         </p:nvSpPr>
         <p:spPr>
           <a:xfrm>
-            <a:off x="5020543" y="3926335"/>
+            <a:off x="6174431" y="3763047"/>
             <a:ext cx="2160588" cy="540000"/>
           </a:xfrm>
         </p:spPr>
@@ -27148,13 +27144,121 @@
             <p:ph type="body" sz="quarter" idx="13"/>
           </p:nvPr>
         </p:nvSpPr>
-        <p:spPr/>
+        <p:spPr>
+          <a:xfrm>
+            <a:off x="6185317" y="4241796"/>
+            <a:ext cx="2160588" cy="1821545"/>
+          </a:xfrm>
+        </p:spPr>
         <p:txBody>
           <a:bodyPr rtlCol="0"/>
           <a:lstStyle/>
           <a:p>
-            <a:pPr algn="l" rtl="0"/>
-            <a:endParaRPr lang="ko-KR" altLang="ru-RU" dirty="0"/>
+            <a:pPr marL="285750" indent="-285750" algn="l" rtl="0">
+              <a:buFont typeface="Wingdings" panose="05000000000000000000" pitchFamily="2" charset="2"/>
+              <a:buChar char="u"/>
+            </a:pPr>
+            <a:r>
+              <a:rPr lang="ko-KR" altLang="en-US" sz="1400" dirty="0" smtClean="0"/>
+              <a:t>메인 페이지</a:t>
+            </a:r>
+            <a:endParaRPr lang="en-US" altLang="ko-KR" sz="1400" dirty="0" smtClean="0"/>
+          </a:p>
+          <a:p>
+            <a:pPr marL="285750" indent="-285750" algn="l" rtl="0">
+              <a:buFont typeface="Wingdings" panose="05000000000000000000" pitchFamily="2" charset="2"/>
+              <a:buChar char="u"/>
+            </a:pPr>
+            <a:r>
+              <a:rPr lang="ko-KR" altLang="en-US" sz="1400" dirty="0" smtClean="0"/>
+              <a:t>상품 상세</a:t>
+            </a:r>
+            <a:endParaRPr lang="en-US" altLang="ko-KR" sz="1400" dirty="0" smtClean="0"/>
+          </a:p>
+          <a:p>
+            <a:pPr marL="285750" indent="-285750" algn="l" rtl="0">
+              <a:buFont typeface="Wingdings" panose="05000000000000000000" pitchFamily="2" charset="2"/>
+              <a:buChar char="u"/>
+            </a:pPr>
+            <a:r>
+              <a:rPr lang="ko-KR" altLang="en-US" sz="1400" dirty="0" smtClean="0"/>
+              <a:t>자동 완성 기능</a:t>
+            </a:r>
+            <a:endParaRPr lang="en-US" altLang="ko-KR" sz="1400" dirty="0" smtClean="0"/>
+          </a:p>
+          <a:p>
+            <a:pPr marL="285750" indent="-285750" algn="l" rtl="0">
+              <a:buFont typeface="Wingdings" panose="05000000000000000000" pitchFamily="2" charset="2"/>
+              <a:buChar char="u"/>
+            </a:pPr>
+            <a:r>
+              <a:rPr lang="ko-KR" altLang="en-US" sz="1400" dirty="0" smtClean="0"/>
+              <a:t>로그인과 회원 가입</a:t>
+            </a:r>
+            <a:endParaRPr lang="en-US" altLang="ko-KR" sz="1400" dirty="0" smtClean="0"/>
+          </a:p>
+          <a:p>
+            <a:pPr marL="285750" indent="-285750" algn="l" rtl="0">
+              <a:buFont typeface="Wingdings" panose="05000000000000000000" pitchFamily="2" charset="2"/>
+              <a:buChar char="u"/>
+            </a:pPr>
+            <a:r>
+              <a:rPr lang="ko-KR" altLang="en-US" sz="1400" dirty="0" smtClean="0"/>
+              <a:t>장바구니</a:t>
+            </a:r>
+            <a:r>
+              <a:rPr lang="en-US" altLang="ko-KR" sz="1400" dirty="0"/>
+              <a:t> </a:t>
+            </a:r>
+            <a:r>
+              <a:rPr lang="ko-KR" altLang="en-US" sz="1400" dirty="0" smtClean="0"/>
+              <a:t>기능</a:t>
+            </a:r>
+            <a:endParaRPr lang="en-US" altLang="ko-KR" sz="1400" dirty="0" smtClean="0"/>
+          </a:p>
+          <a:p>
+            <a:pPr marL="285750" indent="-285750" algn="l" rtl="0">
+              <a:buFont typeface="Wingdings" panose="05000000000000000000" pitchFamily="2" charset="2"/>
+              <a:buChar char="u"/>
+            </a:pPr>
+            <a:r>
+              <a:rPr lang="ko-KR" altLang="en-US" sz="1400" dirty="0" smtClean="0"/>
+              <a:t>주문 기능 </a:t>
+            </a:r>
+            <a:endParaRPr lang="en-US" altLang="ko-KR" sz="1400" dirty="0" smtClean="0"/>
+          </a:p>
+          <a:p>
+            <a:pPr marL="285750" indent="-285750" algn="l" rtl="0">
+              <a:buFont typeface="Wingdings" panose="05000000000000000000" pitchFamily="2" charset="2"/>
+              <a:buChar char="u"/>
+            </a:pPr>
+            <a:r>
+              <a:rPr lang="ko-KR" altLang="en-US" sz="1400" dirty="0" err="1" smtClean="0"/>
+              <a:t>마이페이지</a:t>
+            </a:r>
+            <a:r>
+              <a:rPr lang="ko-KR" altLang="en-US" sz="1400" dirty="0" smtClean="0"/>
+              <a:t> 기능</a:t>
+            </a:r>
+            <a:endParaRPr lang="en-US" altLang="ko-KR" sz="1400" dirty="0" smtClean="0"/>
+          </a:p>
+          <a:p>
+            <a:pPr marL="285750" indent="-285750" algn="l" rtl="0">
+              <a:buFont typeface="Wingdings" panose="05000000000000000000" pitchFamily="2" charset="2"/>
+              <a:buChar char="u"/>
+            </a:pPr>
+            <a:r>
+              <a:rPr lang="ko-KR" altLang="en-US" sz="1400" dirty="0" smtClean="0"/>
+              <a:t>상품 관리</a:t>
+            </a:r>
+            <a:endParaRPr lang="en-US" altLang="ko-KR" sz="1400" dirty="0" smtClean="0"/>
+          </a:p>
+          <a:p>
+            <a:pPr marL="285750" indent="-285750" algn="l" rtl="0">
+              <a:buFont typeface="Wingdings" panose="05000000000000000000" pitchFamily="2" charset="2"/>
+              <a:buChar char="u"/>
+            </a:pPr>
+            <a:endParaRPr lang="ko-KR" altLang="ru-RU" sz="1400" dirty="0"/>
           </a:p>
         </p:txBody>
       </p:sp>
@@ -27177,7 +27281,7 @@
         </p:nvCxnSpPr>
         <p:spPr>
           <a:xfrm>
-            <a:off x="7248035" y="2052013"/>
+            <a:off x="8401923" y="1888725"/>
             <a:ext cx="0" cy="1487495"/>
           </a:xfrm>
           <a:prstGeom prst="line">
@@ -27206,99 +27310,6 @@
           </a:fontRef>
         </p:style>
       </p:cxnSp>
-      <p:pic>
-        <p:nvPicPr>
-          <p:cNvPr id="163" name="그림 개체 틀 162" descr="야자수">
-            <a:extLst>
-              <a:ext uri="{FF2B5EF4-FFF2-40B4-BE49-F238E27FC236}">
-                <a16:creationId xmlns:a16="http://schemas.microsoft.com/office/drawing/2014/main" id="{B21D58C1-B806-40E0-9006-675AF7916756}"/>
-              </a:ext>
-            </a:extLst>
-          </p:cNvPr>
-          <p:cNvPicPr>
-            <a:picLocks noGrp="1" noChangeAspect="1"/>
-          </p:cNvPicPr>
-          <p:nvPr>
-            <p:ph type="pic" sz="quarter" idx="30"/>
-          </p:nvPr>
-        </p:nvPicPr>
-        <p:blipFill rotWithShape="1">
-          <a:blip r:embed="rId9" cstate="screen">
-            <a:extLst>
-              <a:ext uri="{28A0092B-C50C-407E-A947-70E740481C1C}">
-                <a14:useLocalDpi xmlns:a14="http://schemas.microsoft.com/office/drawing/2010/main"/>
-              </a:ext>
-              <a:ext uri="{96DAC541-7B7A-43D3-8B79-37D633B846F1}">
-                <asvg:svgBlip xmlns:asvg="http://schemas.microsoft.com/office/drawing/2016/SVG/main" xmlns="" r:embed="rId10"/>
-              </a:ext>
-            </a:extLst>
-          </a:blip>
-          <a:srcRect/>
-          <a:stretch/>
-        </p:blipFill>
-        <p:spPr/>
-      </p:pic>
-      <p:sp>
-        <p:nvSpPr>
-          <p:cNvPr id="11" name="텍스트 개체 틀 10">
-            <a:extLst>
-              <a:ext uri="{FF2B5EF4-FFF2-40B4-BE49-F238E27FC236}">
-                <a16:creationId xmlns:a16="http://schemas.microsoft.com/office/drawing/2014/main" id="{ACD29343-5246-427C-BFCC-F61B25177CF4}"/>
-              </a:ext>
-            </a:extLst>
-          </p:cNvPr>
-          <p:cNvSpPr>
-            <a:spLocks noGrp="1"/>
-          </p:cNvSpPr>
-          <p:nvPr>
-            <p:ph type="body" sz="quarter" idx="19"/>
-          </p:nvPr>
-        </p:nvSpPr>
-        <p:spPr>
-          <a:xfrm>
-            <a:off x="7315013" y="3926335"/>
-            <a:ext cx="2160587" cy="540000"/>
-          </a:xfrm>
-        </p:spPr>
-        <p:txBody>
-          <a:bodyPr rtlCol="0"/>
-          <a:lstStyle/>
-          <a:p>
-            <a:pPr rtl="0">
-              <a:lnSpc>
-                <a:spcPct val="100000"/>
-              </a:lnSpc>
-            </a:pPr>
-            <a:endParaRPr lang="ko-KR" altLang="en-US" dirty="0"/>
-          </a:p>
-        </p:txBody>
-      </p:sp>
-      <p:sp>
-        <p:nvSpPr>
-          <p:cNvPr id="6" name="텍스트 개체 틀 5">
-            <a:extLst>
-              <a:ext uri="{FF2B5EF4-FFF2-40B4-BE49-F238E27FC236}">
-                <a16:creationId xmlns:a16="http://schemas.microsoft.com/office/drawing/2014/main" id="{A163F1F1-E70E-4823-905B-45B18FCD35FA}"/>
-              </a:ext>
-            </a:extLst>
-          </p:cNvPr>
-          <p:cNvSpPr>
-            <a:spLocks noGrp="1"/>
-          </p:cNvSpPr>
-          <p:nvPr>
-            <p:ph type="body" sz="quarter" idx="14"/>
-          </p:nvPr>
-        </p:nvSpPr>
-        <p:spPr/>
-        <p:txBody>
-          <a:bodyPr rtlCol="0"/>
-          <a:lstStyle/>
-          <a:p>
-            <a:pPr algn="l" rtl="0"/>
-            <a:endParaRPr lang="ko-KR" altLang="ru-RU" dirty="0"/>
-          </a:p>
-        </p:txBody>
-      </p:sp>
       <p:cxnSp>
         <p:nvCxnSpPr>
           <p:cNvPr id="79" name="직선 연결선(S) 78" descr="슬라이드의 네 번째 구분선">
@@ -27318,7 +27329,7 @@
         </p:nvCxnSpPr>
         <p:spPr>
           <a:xfrm>
-            <a:off x="9542529" y="2052013"/>
+            <a:off x="8399526" y="1888725"/>
             <a:ext cx="0" cy="1487495"/>
           </a:xfrm>
           <a:prstGeom prst="line">
@@ -27364,7 +27375,7 @@
           </p:nvPr>
         </p:nvPicPr>
         <p:blipFill rotWithShape="1">
-          <a:blip r:embed="rId11" cstate="screen">
+          <a:blip r:embed="rId7" cstate="screen">
             <a:extLst>
               <a:ext uri="{28A0092B-C50C-407E-A947-70E740481C1C}">
                 <a14:useLocalDpi xmlns:a14="http://schemas.microsoft.com/office/drawing/2010/main"/>
@@ -27377,7 +27388,12 @@
           <a:srcRect/>
           <a:stretch/>
         </p:blipFill>
-        <p:spPr/>
+        <p:spPr>
+          <a:xfrm>
+            <a:off x="9121236" y="2448402"/>
+            <a:ext cx="854075" cy="854075"/>
+          </a:xfrm>
+        </p:spPr>
       </p:pic>
       <p:sp>
         <p:nvSpPr>
@@ -27397,7 +27413,7 @@
         </p:nvSpPr>
         <p:spPr>
           <a:xfrm>
-            <a:off x="9609481" y="3926335"/>
+            <a:off x="8466478" y="3763047"/>
             <a:ext cx="2160588" cy="540000"/>
           </a:xfrm>
         </p:spPr>
@@ -27434,13 +27450,18 @@
             <p:ph type="body" sz="quarter" idx="15"/>
           </p:nvPr>
         </p:nvSpPr>
-        <p:spPr/>
+        <p:spPr>
+          <a:xfrm>
+            <a:off x="8466478" y="4241797"/>
+            <a:ext cx="2160588" cy="900000"/>
+          </a:xfrm>
+        </p:spPr>
         <p:txBody>
           <a:bodyPr rtlCol="0"/>
           <a:lstStyle/>
           <a:p>
             <a:pPr algn="l" rtl="0"/>
-            <a:endParaRPr lang="ko-KR" altLang="ru-RU" dirty="0"/>
+            <a:endParaRPr lang="ko-KR" altLang="ru-RU" sz="1400" dirty="0"/>
           </a:p>
         </p:txBody>
       </p:sp>
@@ -27460,7 +27481,12 @@
             <p:ph type="sldNum" sz="quarter" idx="11"/>
           </p:nvPr>
         </p:nvSpPr>
-        <p:spPr/>
+        <p:spPr>
+          <a:xfrm>
+            <a:off x="11496369" y="5991902"/>
+            <a:ext cx="432000" cy="432000"/>
+          </a:xfrm>
+        </p:spPr>
         <p:txBody>
           <a:bodyPr rtlCol="0"/>
           <a:lstStyle/>
@@ -27475,6 +27501,44 @@
           </a:p>
         </p:txBody>
       </p:sp>
+      <p:pic>
+        <p:nvPicPr>
+          <p:cNvPr id="24" name="그림 개체 틀 162" descr="야자수">
+            <a:extLst>
+              <a:ext uri="{FF2B5EF4-FFF2-40B4-BE49-F238E27FC236}">
+                <a16:creationId xmlns:a16="http://schemas.microsoft.com/office/drawing/2014/main" id="{B21D58C1-B806-40E0-9006-675AF7916756}"/>
+              </a:ext>
+            </a:extLst>
+          </p:cNvPr>
+          <p:cNvPicPr>
+            <a:picLocks noChangeAspect="1"/>
+          </p:cNvPicPr>
+          <p:nvPr/>
+        </p:nvPicPr>
+        <p:blipFill rotWithShape="1">
+          <a:blip r:embed="rId13" cstate="screen">
+            <a:extLst>
+              <a:ext uri="{28A0092B-C50C-407E-A947-70E740481C1C}">
+                <a14:useLocalDpi xmlns:a14="http://schemas.microsoft.com/office/drawing/2010/main"/>
+              </a:ext>
+              <a:ext uri="{96DAC541-7B7A-43D3-8B79-37D633B846F1}">
+                <asvg:svgBlip xmlns:asvg="http://schemas.microsoft.com/office/drawing/2016/SVG/main" xmlns="" r:embed="rId10"/>
+              </a:ext>
+            </a:extLst>
+          </a:blip>
+          <a:srcRect/>
+          <a:stretch/>
+        </p:blipFill>
+        <p:spPr>
+          <a:xfrm>
+            <a:off x="6838573" y="2373427"/>
+            <a:ext cx="854075" cy="854075"/>
+          </a:xfrm>
+          <a:prstGeom prst="rect">
+            <a:avLst/>
+          </a:prstGeom>
+        </p:spPr>
+      </p:pic>
     </p:spTree>
     <p:extLst>
       <p:ext uri="{BB962C8B-B14F-4D97-AF65-F5344CB8AC3E}">
